--- a/doc/星落宠物用品销售网站-开题报告答辩PPT.pptx
+++ b/doc/星落宠物用品销售网站-开题报告答辩PPT.pptx
@@ -2020,6 +2020,117 @@
 </p:sldLayout>
 </file>
 
+<file path=ppt/slideLayouts/slideLayout3.xml><?xml version="1.0" encoding="utf-8"?>
+<p:sldLayout xmlns:a="http://schemas.openxmlformats.org/drawingml/2006/main" xmlns:r="http://schemas.openxmlformats.org/officeDocument/2006/relationships" xmlns:p="http://schemas.openxmlformats.org/presentationml/2006/main" type="blank" preserve="1">
+  <p:cSld name="空白">
+    <p:spTree>
+      <p:nvGrpSpPr>
+        <p:cNvPr id="1" name=""/>
+        <p:cNvGrpSpPr/>
+        <p:nvPr/>
+      </p:nvGrpSpPr>
+      <p:grpSpPr>
+        <a:xfrm>
+          <a:off x="0" y="0"/>
+          <a:ext cx="0" cy="0"/>
+          <a:chOff x="0" y="0"/>
+          <a:chExt cx="0" cy="0"/>
+        </a:xfrm>
+      </p:grpSpPr>
+      <p:sp>
+        <p:nvSpPr>
+          <p:cNvPr id="2" name="日期占位符 1"/>
+          <p:cNvSpPr>
+            <a:spLocks noGrp="1"/>
+          </p:cNvSpPr>
+          <p:nvPr>
+            <p:ph type="dt" sz="half" idx="10"/>
+          </p:nvPr>
+        </p:nvSpPr>
+        <p:spPr>
+          <a:xfrm>
+            <a:off x="628650" y="4767263"/>
+            <a:ext cx="2057400" cy="273844"/>
+          </a:xfrm>
+        </p:spPr>
+        <p:txBody>
+          <a:bodyPr/>
+          <a:p>
+            <a:pPr fontAlgn="auto"/>
+            <a:fld id="{D997B5FA-0921-464F-AAE1-844C04324D75}" type="datetimeFigureOut">
+              <a:rPr lang="zh-CN" altLang="en-US" strike="noStrike" noProof="1" smtClean="0">
+                <a:latin typeface="+mn-lt"/>
+                <a:ea typeface="+mn-ea"/>
+                <a:cs typeface="+mn-cs"/>
+              </a:rPr>
+            </a:fld>
+            <a:endParaRPr lang="zh-CN" altLang="en-US" strike="noStrike" noProof="1"/>
+          </a:p>
+        </p:txBody>
+      </p:sp>
+      <p:sp>
+        <p:nvSpPr>
+          <p:cNvPr id="3" name="页脚占位符 2"/>
+          <p:cNvSpPr>
+            <a:spLocks noGrp="1"/>
+          </p:cNvSpPr>
+          <p:nvPr>
+            <p:ph type="ftr" sz="quarter" idx="11"/>
+          </p:nvPr>
+        </p:nvSpPr>
+        <p:spPr>
+          <a:xfrm>
+            <a:off x="3028950" y="4767263"/>
+            <a:ext cx="3086100" cy="273844"/>
+          </a:xfrm>
+        </p:spPr>
+        <p:txBody>
+          <a:bodyPr/>
+          <a:p>
+            <a:pPr fontAlgn="auto"/>
+            <a:endParaRPr lang="zh-CN" altLang="en-US" strike="noStrike" noProof="1"/>
+          </a:p>
+        </p:txBody>
+      </p:sp>
+      <p:sp>
+        <p:nvSpPr>
+          <p:cNvPr id="4" name="灯片编号占位符 3"/>
+          <p:cNvSpPr>
+            <a:spLocks noGrp="1"/>
+          </p:cNvSpPr>
+          <p:nvPr>
+            <p:ph type="sldNum" sz="quarter" idx="12"/>
+          </p:nvPr>
+        </p:nvSpPr>
+        <p:spPr>
+          <a:xfrm>
+            <a:off x="6457950" y="4767263"/>
+            <a:ext cx="2057400" cy="273844"/>
+          </a:xfrm>
+        </p:spPr>
+        <p:txBody>
+          <a:bodyPr/>
+          <a:p>
+            <a:pPr fontAlgn="auto"/>
+            <a:fld id="{565CE74E-AB26-4998-AD42-012C4C1AD076}" type="slidenum">
+              <a:rPr lang="zh-CN" altLang="en-US" strike="noStrike" noProof="1" smtClean="0">
+                <a:latin typeface="+mn-lt"/>
+                <a:ea typeface="+mn-ea"/>
+                <a:cs typeface="+mn-cs"/>
+              </a:rPr>
+            </a:fld>
+            <a:endParaRPr lang="zh-CN" altLang="en-US" strike="noStrike" noProof="1"/>
+          </a:p>
+        </p:txBody>
+      </p:sp>
+    </p:spTree>
+  </p:cSld>
+  <p:clrMapOvr>
+    <a:masterClrMapping/>
+  </p:clrMapOvr>
+</p:sldLayout>
+</file>
+
 <file path=ppt/slideMasters/slideMaster1.xml><?xml version="1.0" encoding="utf-8"?>
 <p:sldMaster xmlns:a="http://schemas.openxmlformats.org/drawingml/2006/main" xmlns:r="http://schemas.openxmlformats.org/officeDocument/2006/relationships" xmlns:p="http://schemas.openxmlformats.org/presentationml/2006/main">
   <p:cSld>
@@ -2048,6 +2159,7 @@
   <p:sldLayoutIdLst>
     <p:sldLayoutId id="2147483649" r:id="rId1"/>
     <p:sldLayoutId id="2147483650" r:id="rId2"/>
+    <p:sldLayoutId id="2147483651" r:id="rId3"/>
   </p:sldLayoutIdLst>
   <p:hf sldNum="0" hdr="0" ftr="0" dt="0"/>
   <p:txStyles>
@@ -2308,15 +2420,25 @@
   <p:cSld>
     <p:bg>
       <p:bgPr>
-        <a:blipFill dpi="0" rotWithShape="1">
-          <a:blip r:embed="rId1">
-            <a:lum/>
-          </a:blip>
-          <a:srcRect/>
-          <a:stretch>
-            <a:fillRect/>
-          </a:stretch>
-        </a:blipFill>
+        <a:gradFill rotWithShape="1">
+          <a:gsLst>
+            <a:gs pos="50000">
+              <a:schemeClr val="accent2"/>
+            </a:gs>
+            <a:gs pos="0">
+              <a:schemeClr val="accent2">
+                <a:lumMod val="25000"/>
+                <a:lumOff val="75000"/>
+              </a:schemeClr>
+            </a:gs>
+            <a:gs pos="100000">
+              <a:schemeClr val="accent2">
+                <a:lumMod val="85000"/>
+              </a:schemeClr>
+            </a:gs>
+          </a:gsLst>
+          <a:lin ang="5400000" scaled="1"/>
+        </a:gradFill>
         <a:effectLst/>
       </p:bgPr>
     </p:bg>
@@ -2343,7 +2465,7 @@
         <p:spPr>
           <a:xfrm>
             <a:off x="2943917" y="3221192"/>
-            <a:ext cx="3256166" cy="424815"/>
+            <a:ext cx="3256166" cy="2056765"/>
           </a:xfrm>
           <a:prstGeom prst="rect">
             <a:avLst/>
@@ -2355,6 +2477,150 @@
             <a:spAutoFit/>
           </a:bodyPr>
           <a:lstStyle/>
+          <a:p>
+            <a:pPr>
+              <a:lnSpc>
+                <a:spcPct val="150000"/>
+              </a:lnSpc>
+            </a:pPr>
+            <a:r>
+              <a:rPr lang="zh-CN" altLang="en-US" sz="1350" b="1" dirty="0">
+                <a:latin typeface="宋体" panose="02010600030101010101" pitchFamily="2" charset="-122"/>
+                <a:ea typeface="宋体" panose="02010600030101010101" pitchFamily="2" charset="-122"/>
+                <a:sym typeface="Calibri" panose="020F0502020204030204" charset="0"/>
+              </a:rPr>
+              <a:t>姓    名：</a:t>
+            </a:r>
+            <a:endParaRPr lang="en-US" altLang="zh-CN" sz="1350" b="1" dirty="0">
+              <a:latin typeface="宋体" panose="02010600030101010101" pitchFamily="2" charset="-122"/>
+              <a:ea typeface="宋体" panose="02010600030101010101" pitchFamily="2" charset="-122"/>
+              <a:sym typeface="Calibri" panose="020F0502020204030204" charset="0"/>
+            </a:endParaRPr>
+          </a:p>
+          <a:p>
+            <a:pPr>
+              <a:lnSpc>
+                <a:spcPct val="150000"/>
+              </a:lnSpc>
+            </a:pPr>
+            <a:r>
+              <a:rPr lang="zh-CN" altLang="en-US" sz="1350" b="1" dirty="0">
+                <a:latin typeface="宋体" panose="02010600030101010101" pitchFamily="2" charset="-122"/>
+                <a:ea typeface="宋体" panose="02010600030101010101" pitchFamily="2" charset="-122"/>
+                <a:sym typeface="Calibri" panose="020F0502020204030204" charset="0"/>
+              </a:rPr>
+              <a:t>专业班级：</a:t>
+            </a:r>
+            <a:r>
+              <a:rPr lang="zh-CN" sz="1350" b="1" dirty="0">
+                <a:latin typeface="宋体" panose="02010600030101010101" pitchFamily="2" charset="-122"/>
+                <a:ea typeface="宋体" panose="02010600030101010101" pitchFamily="2" charset="-122"/>
+                <a:sym typeface="Calibri" panose="020F0502020204030204" charset="0"/>
+              </a:rPr>
+              <a:t>计算机科学与技术</a:t>
+            </a:r>
+            <a:r>
+              <a:rPr lang="en-US" altLang="zh-CN" sz="1350" b="1" dirty="0">
+                <a:latin typeface="宋体" panose="02010600030101010101" pitchFamily="2" charset="-122"/>
+                <a:ea typeface="宋体" panose="02010600030101010101" pitchFamily="2" charset="-122"/>
+                <a:sym typeface="Calibri" panose="020F0502020204030204" charset="0"/>
+              </a:rPr>
+              <a:t>(</a:t>
+            </a:r>
+            <a:r>
+              <a:rPr lang="zh-CN" altLang="en-US" sz="1350" b="1" dirty="0">
+                <a:latin typeface="宋体" panose="02010600030101010101" pitchFamily="2" charset="-122"/>
+                <a:ea typeface="宋体" panose="02010600030101010101" pitchFamily="2" charset="-122"/>
+                <a:sym typeface="Calibri" panose="020F0502020204030204" charset="0"/>
+              </a:rPr>
+              <a:t>专升本</a:t>
+            </a:r>
+            <a:r>
+              <a:rPr lang="en-US" altLang="zh-CN" sz="1350" b="1" dirty="0">
+                <a:latin typeface="宋体" panose="02010600030101010101" pitchFamily="2" charset="-122"/>
+                <a:ea typeface="宋体" panose="02010600030101010101" pitchFamily="2" charset="-122"/>
+                <a:sym typeface="Calibri" panose="020F0502020204030204" charset="0"/>
+              </a:rPr>
+              <a:t>)22-1</a:t>
+            </a:r>
+            <a:endParaRPr lang="en-US" altLang="zh-CN" sz="1350" b="1" dirty="0">
+              <a:latin typeface="宋体" panose="02010600030101010101" pitchFamily="2" charset="-122"/>
+              <a:ea typeface="宋体" panose="02010600030101010101" pitchFamily="2" charset="-122"/>
+              <a:sym typeface="Calibri" panose="020F0502020204030204" charset="0"/>
+            </a:endParaRPr>
+          </a:p>
+          <a:p>
+            <a:pPr>
+              <a:lnSpc>
+                <a:spcPct val="150000"/>
+              </a:lnSpc>
+            </a:pPr>
+            <a:r>
+              <a:rPr lang="zh-CN" altLang="en-US" sz="1350" b="1" dirty="0">
+                <a:latin typeface="宋体" panose="02010600030101010101" pitchFamily="2" charset="-122"/>
+                <a:ea typeface="宋体" panose="02010600030101010101" pitchFamily="2" charset="-122"/>
+                <a:sym typeface="Calibri" panose="020F0502020204030204" charset="0"/>
+              </a:rPr>
+              <a:t>指导老师：于林林</a:t>
+            </a:r>
+            <a:endParaRPr lang="en-US" altLang="zh-CN" sz="1350" b="1" dirty="0">
+              <a:latin typeface="宋体" panose="02010600030101010101" pitchFamily="2" charset="-122"/>
+              <a:ea typeface="宋体" panose="02010600030101010101" pitchFamily="2" charset="-122"/>
+              <a:sym typeface="Calibri" panose="020F0502020204030204" charset="0"/>
+            </a:endParaRPr>
+          </a:p>
+          <a:p>
+            <a:pPr>
+              <a:lnSpc>
+                <a:spcPct val="150000"/>
+              </a:lnSpc>
+            </a:pPr>
+            <a:r>
+              <a:rPr lang="zh-CN" altLang="en-US" sz="1350" b="1" dirty="0">
+                <a:latin typeface="宋体" panose="02010600030101010101" pitchFamily="2" charset="-122"/>
+                <a:ea typeface="宋体" panose="02010600030101010101" pitchFamily="2" charset="-122"/>
+                <a:sym typeface="Calibri" panose="020F0502020204030204" charset="0"/>
+              </a:rPr>
+              <a:t>答辩日期：</a:t>
+            </a:r>
+            <a:r>
+              <a:rPr lang="en-US" altLang="zh-CN" sz="1350" b="1" dirty="0">
+                <a:latin typeface="宋体" panose="02010600030101010101" pitchFamily="2" charset="-122"/>
+                <a:ea typeface="宋体" panose="02010600030101010101" pitchFamily="2" charset="-122"/>
+                <a:sym typeface="Calibri" panose="020F0502020204030204" charset="0"/>
+              </a:rPr>
+              <a:t>2024</a:t>
+            </a:r>
+            <a:r>
+              <a:rPr lang="zh-CN" altLang="en-US" sz="1350" b="1" dirty="0">
+                <a:latin typeface="宋体" panose="02010600030101010101" pitchFamily="2" charset="-122"/>
+                <a:ea typeface="宋体" panose="02010600030101010101" pitchFamily="2" charset="-122"/>
+                <a:sym typeface="Calibri" panose="020F0502020204030204" charset="0"/>
+              </a:rPr>
+              <a:t>年</a:t>
+            </a:r>
+            <a:r>
+              <a:rPr lang="en-US" altLang="zh-CN" sz="1350" b="1" dirty="0">
+                <a:latin typeface="宋体" panose="02010600030101010101" pitchFamily="2" charset="-122"/>
+                <a:ea typeface="宋体" panose="02010600030101010101" pitchFamily="2" charset="-122"/>
+                <a:sym typeface="Calibri" panose="020F0502020204030204" charset="0"/>
+              </a:rPr>
+              <a:t>1</a:t>
+            </a:r>
+            <a:r>
+              <a:rPr lang="zh-CN" altLang="en-US" sz="1350" b="1" dirty="0">
+                <a:latin typeface="宋体" panose="02010600030101010101" pitchFamily="2" charset="-122"/>
+                <a:ea typeface="宋体" panose="02010600030101010101" pitchFamily="2" charset="-122"/>
+                <a:sym typeface="Calibri" panose="020F0502020204030204" charset="0"/>
+              </a:rPr>
+              <a:t>月</a:t>
+            </a:r>
+            <a:endParaRPr lang="zh-CN" altLang="en-US" sz="1350" b="1" dirty="0">
+              <a:latin typeface="宋体" panose="02010600030101010101" pitchFamily="2" charset="-122"/>
+              <a:ea typeface="宋体" panose="02010600030101010101" pitchFamily="2" charset="-122"/>
+              <a:sym typeface="Calibri" panose="020F0502020204030204" charset="0"/>
+            </a:endParaRPr>
+          </a:p>
           <a:p>
             <a:pPr marL="0" indent="0" algn="ctr">
               <a:lnSpc>
@@ -2365,17 +2631,6 @@
               </a:spcBef>
               <a:buNone/>
             </a:pPr>
-            <a:r>
-              <a:rPr lang="en-US" sz="1350" dirty="0">
-                <a:solidFill>
-                  <a:srgbClr val="002B7F"/>
-                </a:solidFill>
-                <a:latin typeface="Arial" panose="020B0604020202020204" pitchFamily="34" charset="0"/>
-                <a:ea typeface="Arial" panose="020B0604020202020204" pitchFamily="34" charset="-122"/>
-                <a:cs typeface="Arial" panose="020B0604020202020204" pitchFamily="34" charset="-120"/>
-              </a:rPr>
-              <a:t>汇报人：        指导老师：于林林</a:t>
-            </a:r>
             <a:endParaRPr lang="en-US" sz="1500" dirty="0"/>
           </a:p>
         </p:txBody>
@@ -2428,7 +2683,7 @@
         <p:spPr>
           <a:xfrm>
             <a:off x="432664" y="397054"/>
-            <a:ext cx="8278672" cy="1463040"/>
+            <a:ext cx="8278672" cy="1530985"/>
           </a:xfrm>
           <a:prstGeom prst="rect">
             <a:avLst/>
@@ -2441,7 +2696,7 @@
           </a:bodyPr>
           <a:lstStyle/>
           <a:p>
-            <a:pPr marL="0" indent="0" algn="ctr">
+            <a:pPr marL="0" indent="0" algn="l">
               <a:lnSpc>
                 <a:spcPct val="100000"/>
               </a:lnSpc>
@@ -2464,7 +2719,7 @@
             <a:endParaRPr lang="en-US" sz="1500" dirty="0"/>
           </a:p>
           <a:p>
-            <a:pPr marL="0" indent="0" algn="ctr">
+            <a:pPr marL="0" indent="0" algn="l">
               <a:lnSpc>
                 <a:spcPct val="100000"/>
               </a:lnSpc>
@@ -2474,7 +2729,7 @@
               <a:buNone/>
             </a:pPr>
             <a:r>
-              <a:rPr lang="en-US" sz="4200" b="1" kern="0" spc="375" dirty="0">
+              <a:rPr lang="zh-CN" altLang="en-US" sz="4200" b="1" kern="0" spc="375" dirty="0">
                 <a:solidFill>
                   <a:srgbClr val="002B7F"/>
                 </a:solidFill>
@@ -2482,6 +2737,17 @@
                 <a:ea typeface="Arial" panose="020B0604020202020204" pitchFamily="34" charset="-122"/>
                 <a:cs typeface="Arial" panose="020B0604020202020204" pitchFamily="34" charset="-120"/>
               </a:rPr>
+              <a:t>毕业设计</a:t>
+            </a:r>
+            <a:r>
+              <a:rPr lang="en-US" sz="4200" b="1" kern="0" spc="375" dirty="0">
+                <a:solidFill>
+                  <a:srgbClr val="002B7F"/>
+                </a:solidFill>
+                <a:latin typeface="Arial" panose="020B0604020202020204" pitchFamily="34" charset="0"/>
+                <a:ea typeface="Arial" panose="020B0604020202020204" pitchFamily="34" charset="-122"/>
+                <a:cs typeface="Arial" panose="020B0604020202020204" pitchFamily="34" charset="-120"/>
+              </a:rPr>
               <a:t>开题报告答辩</a:t>
             </a:r>
             <a:endParaRPr lang="en-US" sz="1500" dirty="0"/>
@@ -2502,7 +2768,12 @@
           <a:prstGeom prst="rect">
             <a:avLst/>
           </a:prstGeom>
-          <a:noFill/>
+          <a:solidFill>
+            <a:schemeClr val="accent6">
+              <a:lumMod val="60000"/>
+              <a:lumOff val="40000"/>
+            </a:schemeClr>
+          </a:solidFill>
         </p:spPr>
         <p:txBody>
           <a:bodyPr wrap="square" lIns="95250" tIns="95250" rIns="95250" bIns="95250" rtlCol="0" anchor="t">
@@ -2554,15 +2825,25 @@
   <p:cSld>
     <p:bg>
       <p:bgPr>
-        <a:blipFill dpi="0" rotWithShape="1">
-          <a:blip r:embed="rId1">
-            <a:lum/>
-          </a:blip>
-          <a:srcRect/>
-          <a:stretch>
-            <a:fillRect/>
-          </a:stretch>
-        </a:blipFill>
+        <a:gradFill rotWithShape="1">
+          <a:gsLst>
+            <a:gs pos="50000">
+              <a:schemeClr val="accent2"/>
+            </a:gs>
+            <a:gs pos="0">
+              <a:schemeClr val="accent2">
+                <a:lumMod val="25000"/>
+                <a:lumOff val="75000"/>
+              </a:schemeClr>
+            </a:gs>
+            <a:gs pos="100000">
+              <a:schemeClr val="accent2">
+                <a:lumMod val="85000"/>
+              </a:schemeClr>
+            </a:gs>
+          </a:gsLst>
+          <a:lin ang="5400000" scaled="1"/>
+        </a:gradFill>
         <a:effectLst/>
       </p:bgPr>
     </p:bg>
@@ -2635,7 +2916,7 @@
           <p:nvPr/>
         </p:nvPicPr>
         <p:blipFill>
-          <a:blip r:embed="rId2"/>
+          <a:blip r:embed="rId1"/>
           <a:stretch>
             <a:fillRect/>
           </a:stretch>
@@ -2653,6 +2934,30 @@
       <p:pic>
         <p:nvPicPr>
           <p:cNvPr id="4" name="Image 1" descr="preencoded.png"/>
+          <p:cNvPicPr>
+            <a:picLocks noChangeAspect="1"/>
+          </p:cNvPicPr>
+          <p:nvPr/>
+        </p:nvPicPr>
+        <p:blipFill>
+          <a:blip r:embed="rId1"/>
+          <a:stretch>
+            <a:fillRect/>
+          </a:stretch>
+        </p:blipFill>
+        <p:spPr>
+          <a:xfrm>
+            <a:off x="409897" y="222075"/>
+            <a:ext cx="346608" cy="346608"/>
+          </a:xfrm>
+          <a:prstGeom prst="rect">
+            <a:avLst/>
+          </a:prstGeom>
+        </p:spPr>
+      </p:pic>
+      <p:pic>
+        <p:nvPicPr>
+          <p:cNvPr id="5" name="Image 2" descr="preencoded.png"/>
           <p:cNvPicPr>
             <a:picLocks noChangeAspect="1"/>
           </p:cNvPicPr>
@@ -2666,30 +2971,6 @@
         </p:blipFill>
         <p:spPr>
           <a:xfrm>
-            <a:off x="409897" y="222075"/>
-            <a:ext cx="346608" cy="346608"/>
-          </a:xfrm>
-          <a:prstGeom prst="rect">
-            <a:avLst/>
-          </a:prstGeom>
-        </p:spPr>
-      </p:pic>
-      <p:pic>
-        <p:nvPicPr>
-          <p:cNvPr id="5" name="Image 2" descr="preencoded.png"/>
-          <p:cNvPicPr>
-            <a:picLocks noChangeAspect="1"/>
-          </p:cNvPicPr>
-          <p:nvPr/>
-        </p:nvPicPr>
-        <p:blipFill>
-          <a:blip r:embed="rId3"/>
-          <a:stretch>
-            <a:fillRect/>
-          </a:stretch>
-        </p:blipFill>
-        <p:spPr>
-          <a:xfrm>
             <a:off x="218305" y="222075"/>
             <a:ext cx="346608" cy="346608"/>
           </a:xfrm>
@@ -2706,12 +2987,12 @@
           </p:cNvPicPr>
           <p:nvPr>
             <p:custDataLst>
-              <p:tags r:id="rId4"/>
+              <p:tags r:id="rId3"/>
             </p:custDataLst>
           </p:nvPr>
         </p:nvPicPr>
         <p:blipFill>
-          <a:blip r:embed="rId5">
+          <a:blip r:embed="rId4">
             <a:alphaModFix amt="50000"/>
           </a:blip>
           <a:stretch>
@@ -2736,12 +3017,12 @@
           </p:cNvPicPr>
           <p:nvPr>
             <p:custDataLst>
-              <p:tags r:id="rId6"/>
+              <p:tags r:id="rId5"/>
             </p:custDataLst>
           </p:nvPr>
         </p:nvPicPr>
         <p:blipFill>
-          <a:blip r:embed="rId7"/>
+          <a:blip r:embed="rId6"/>
           <a:stretch>
             <a:fillRect/>
           </a:stretch>
@@ -2764,12 +3045,12 @@
           </p:cNvPicPr>
           <p:nvPr>
             <p:custDataLst>
-              <p:tags r:id="rId8"/>
+              <p:tags r:id="rId7"/>
             </p:custDataLst>
           </p:nvPr>
         </p:nvPicPr>
         <p:blipFill>
-          <a:blip r:embed="rId9"/>
+          <a:blip r:embed="rId8"/>
           <a:stretch>
             <a:fillRect/>
           </a:stretch>
@@ -2790,7 +3071,7 @@
           <p:cNvSpPr/>
           <p:nvPr>
             <p:custDataLst>
-              <p:tags r:id="rId10"/>
+              <p:tags r:id="rId9"/>
             </p:custDataLst>
           </p:nvPr>
         </p:nvSpPr>
@@ -2842,12 +3123,12 @@
           </p:cNvPicPr>
           <p:nvPr>
             <p:custDataLst>
-              <p:tags r:id="rId11"/>
+              <p:tags r:id="rId10"/>
             </p:custDataLst>
           </p:nvPr>
         </p:nvPicPr>
         <p:blipFill>
-          <a:blip r:embed="rId12">
+          <a:blip r:embed="rId11">
             <a:alphaModFix amt="50000"/>
           </a:blip>
           <a:stretch>
@@ -2872,12 +3153,12 @@
           </p:cNvPicPr>
           <p:nvPr>
             <p:custDataLst>
-              <p:tags r:id="rId13"/>
+              <p:tags r:id="rId12"/>
             </p:custDataLst>
           </p:nvPr>
         </p:nvPicPr>
         <p:blipFill>
-          <a:blip r:embed="rId14"/>
+          <a:blip r:embed="rId13"/>
           <a:stretch>
             <a:fillRect/>
           </a:stretch>
@@ -2900,12 +3181,12 @@
           </p:cNvPicPr>
           <p:nvPr>
             <p:custDataLst>
-              <p:tags r:id="rId15"/>
+              <p:tags r:id="rId14"/>
             </p:custDataLst>
           </p:nvPr>
         </p:nvPicPr>
         <p:blipFill>
-          <a:blip r:embed="rId9"/>
+          <a:blip r:embed="rId8"/>
           <a:stretch>
             <a:fillRect/>
           </a:stretch>
@@ -2926,7 +3207,7 @@
           <p:cNvSpPr/>
           <p:nvPr>
             <p:custDataLst>
-              <p:tags r:id="rId16"/>
+              <p:tags r:id="rId15"/>
             </p:custDataLst>
           </p:nvPr>
         </p:nvSpPr>
@@ -2978,12 +3259,12 @@
           </p:cNvPicPr>
           <p:nvPr>
             <p:custDataLst>
-              <p:tags r:id="rId17"/>
+              <p:tags r:id="rId16"/>
             </p:custDataLst>
           </p:nvPr>
         </p:nvPicPr>
         <p:blipFill>
-          <a:blip r:embed="rId18">
+          <a:blip r:embed="rId17">
             <a:alphaModFix amt="50000"/>
           </a:blip>
           <a:stretch>
@@ -3008,12 +3289,12 @@
           </p:cNvPicPr>
           <p:nvPr>
             <p:custDataLst>
-              <p:tags r:id="rId19"/>
+              <p:tags r:id="rId18"/>
             </p:custDataLst>
           </p:nvPr>
         </p:nvPicPr>
         <p:blipFill>
-          <a:blip r:embed="rId20"/>
+          <a:blip r:embed="rId19"/>
           <a:stretch>
             <a:fillRect/>
           </a:stretch>
@@ -3036,12 +3317,12 @@
           </p:cNvPicPr>
           <p:nvPr>
             <p:custDataLst>
-              <p:tags r:id="rId21"/>
+              <p:tags r:id="rId20"/>
             </p:custDataLst>
           </p:nvPr>
         </p:nvPicPr>
         <p:blipFill>
-          <a:blip r:embed="rId9"/>
+          <a:blip r:embed="rId8"/>
           <a:stretch>
             <a:fillRect/>
           </a:stretch>
@@ -3062,7 +3343,7 @@
           <p:cNvSpPr/>
           <p:nvPr>
             <p:custDataLst>
-              <p:tags r:id="rId22"/>
+              <p:tags r:id="rId21"/>
             </p:custDataLst>
           </p:nvPr>
         </p:nvSpPr>
@@ -3112,7 +3393,7 @@
           <p:cNvSpPr/>
           <p:nvPr>
             <p:custDataLst>
-              <p:tags r:id="rId23"/>
+              <p:tags r:id="rId22"/>
             </p:custDataLst>
           </p:nvPr>
         </p:nvSpPr>
@@ -3170,7 +3451,7 @@
           <p:cNvSpPr/>
           <p:nvPr>
             <p:custDataLst>
-              <p:tags r:id="rId24"/>
+              <p:tags r:id="rId23"/>
             </p:custDataLst>
           </p:nvPr>
         </p:nvSpPr>
@@ -3310,7 +3591,7 @@
           <p:cNvSpPr/>
           <p:nvPr>
             <p:custDataLst>
-              <p:tags r:id="rId25"/>
+              <p:tags r:id="rId24"/>
             </p:custDataLst>
           </p:nvPr>
         </p:nvSpPr>
@@ -3368,7 +3649,7 @@
           <p:cNvSpPr/>
           <p:nvPr>
             <p:custDataLst>
-              <p:tags r:id="rId26"/>
+              <p:tags r:id="rId25"/>
             </p:custDataLst>
           </p:nvPr>
         </p:nvSpPr>
@@ -3505,7 +3786,7 @@
           <p:cNvSpPr/>
           <p:nvPr>
             <p:custDataLst>
-              <p:tags r:id="rId27"/>
+              <p:tags r:id="rId26"/>
             </p:custDataLst>
           </p:nvPr>
         </p:nvSpPr>
@@ -3552,7 +3833,7 @@
           <p:cNvSpPr/>
           <p:nvPr>
             <p:custDataLst>
-              <p:tags r:id="rId28"/>
+              <p:tags r:id="rId27"/>
             </p:custDataLst>
           </p:nvPr>
         </p:nvSpPr>
@@ -3621,15 +3902,25 @@
   <p:cSld>
     <p:bg>
       <p:bgPr>
-        <a:blipFill dpi="0" rotWithShape="1">
-          <a:blip r:embed="rId1">
-            <a:lum/>
-          </a:blip>
-          <a:srcRect/>
-          <a:stretch>
-            <a:fillRect/>
-          </a:stretch>
-        </a:blipFill>
+        <a:gradFill rotWithShape="1">
+          <a:gsLst>
+            <a:gs pos="50000">
+              <a:schemeClr val="accent2"/>
+            </a:gs>
+            <a:gs pos="0">
+              <a:schemeClr val="accent2">
+                <a:lumMod val="25000"/>
+                <a:lumOff val="75000"/>
+              </a:schemeClr>
+            </a:gs>
+            <a:gs pos="100000">
+              <a:schemeClr val="accent2">
+                <a:lumMod val="85000"/>
+              </a:schemeClr>
+            </a:gs>
+          </a:gsLst>
+          <a:lin ang="5400000" scaled="1"/>
+        </a:gradFill>
         <a:effectLst/>
       </p:bgPr>
     </p:bg>
@@ -3702,7 +3993,7 @@
           <p:nvPr/>
         </p:nvPicPr>
         <p:blipFill>
-          <a:blip r:embed="rId2"/>
+          <a:blip r:embed="rId1"/>
           <a:stretch>
             <a:fillRect/>
           </a:stretch>
@@ -3720,6 +4011,30 @@
       <p:pic>
         <p:nvPicPr>
           <p:cNvPr id="4" name="Image 1" descr="preencoded.png"/>
+          <p:cNvPicPr>
+            <a:picLocks noChangeAspect="1"/>
+          </p:cNvPicPr>
+          <p:nvPr/>
+        </p:nvPicPr>
+        <p:blipFill>
+          <a:blip r:embed="rId1"/>
+          <a:stretch>
+            <a:fillRect/>
+          </a:stretch>
+        </p:blipFill>
+        <p:spPr>
+          <a:xfrm>
+            <a:off x="409897" y="222075"/>
+            <a:ext cx="346608" cy="346608"/>
+          </a:xfrm>
+          <a:prstGeom prst="rect">
+            <a:avLst/>
+          </a:prstGeom>
+        </p:spPr>
+      </p:pic>
+      <p:pic>
+        <p:nvPicPr>
+          <p:cNvPr id="5" name="Image 2" descr="preencoded.png"/>
           <p:cNvPicPr>
             <a:picLocks noChangeAspect="1"/>
           </p:cNvPicPr>
@@ -3733,7 +4048,7 @@
         </p:blipFill>
         <p:spPr>
           <a:xfrm>
-            <a:off x="409897" y="222075"/>
+            <a:off x="218305" y="222075"/>
             <a:ext cx="346608" cy="346608"/>
           </a:xfrm>
           <a:prstGeom prst="rect">
@@ -3743,7 +4058,7 @@
       </p:pic>
       <p:pic>
         <p:nvPicPr>
-          <p:cNvPr id="5" name="Image 2" descr="preencoded.png"/>
+          <p:cNvPr id="7" name="图片 6"/>
           <p:cNvPicPr>
             <a:picLocks noChangeAspect="1"/>
           </p:cNvPicPr>
@@ -3757,30 +4072,6 @@
         </p:blipFill>
         <p:spPr>
           <a:xfrm>
-            <a:off x="218305" y="222075"/>
-            <a:ext cx="346608" cy="346608"/>
-          </a:xfrm>
-          <a:prstGeom prst="rect">
-            <a:avLst/>
-          </a:prstGeom>
-        </p:spPr>
-      </p:pic>
-      <p:pic>
-        <p:nvPicPr>
-          <p:cNvPr id="7" name="图片 6"/>
-          <p:cNvPicPr>
-            <a:picLocks noChangeAspect="1"/>
-          </p:cNvPicPr>
-          <p:nvPr/>
-        </p:nvPicPr>
-        <p:blipFill>
-          <a:blip r:embed="rId4"/>
-          <a:stretch>
-            <a:fillRect/>
-          </a:stretch>
-        </p:blipFill>
-        <p:spPr>
-          <a:xfrm>
             <a:off x="1202690" y="769620"/>
             <a:ext cx="7033260" cy="4373880"/>
           </a:xfrm>
@@ -3802,15 +4093,25 @@
   <p:cSld>
     <p:bg>
       <p:bgPr>
-        <a:blipFill dpi="0" rotWithShape="1">
-          <a:blip r:embed="rId1">
-            <a:lum/>
-          </a:blip>
-          <a:srcRect/>
-          <a:stretch>
-            <a:fillRect/>
-          </a:stretch>
-        </a:blipFill>
+        <a:gradFill rotWithShape="1">
+          <a:gsLst>
+            <a:gs pos="50000">
+              <a:schemeClr val="accent2"/>
+            </a:gs>
+            <a:gs pos="0">
+              <a:schemeClr val="accent2">
+                <a:lumMod val="25000"/>
+                <a:lumOff val="75000"/>
+              </a:schemeClr>
+            </a:gs>
+            <a:gs pos="100000">
+              <a:schemeClr val="accent2">
+                <a:lumMod val="85000"/>
+              </a:schemeClr>
+            </a:gs>
+          </a:gsLst>
+          <a:lin ang="5400000" scaled="1"/>
+        </a:gradFill>
         <a:effectLst/>
       </p:bgPr>
     </p:bg>
@@ -3837,7 +4138,7 @@
           <p:nvPr/>
         </p:nvPicPr>
         <p:blipFill>
-          <a:blip r:embed="rId2"/>
+          <a:blip r:embed="rId1"/>
           <a:stretch>
             <a:fillRect/>
           </a:stretch>
@@ -3957,15 +4258,25 @@
   <p:cSld>
     <p:bg>
       <p:bgPr>
-        <a:blipFill dpi="0" rotWithShape="1">
-          <a:blip r:embed="rId1">
-            <a:lum/>
-          </a:blip>
-          <a:srcRect/>
-          <a:stretch>
-            <a:fillRect/>
-          </a:stretch>
-        </a:blipFill>
+        <a:gradFill rotWithShape="1">
+          <a:gsLst>
+            <a:gs pos="50000">
+              <a:schemeClr val="accent2"/>
+            </a:gs>
+            <a:gs pos="0">
+              <a:schemeClr val="accent2">
+                <a:lumMod val="25000"/>
+                <a:lumOff val="75000"/>
+              </a:schemeClr>
+            </a:gs>
+            <a:gs pos="100000">
+              <a:schemeClr val="accent2">
+                <a:lumMod val="85000"/>
+              </a:schemeClr>
+            </a:gs>
+          </a:gsLst>
+          <a:lin ang="5400000" scaled="1"/>
+        </a:gradFill>
         <a:effectLst/>
       </p:bgPr>
     </p:bg>
@@ -4038,7 +4349,7 @@
           <p:nvPr/>
         </p:nvPicPr>
         <p:blipFill>
-          <a:blip r:embed="rId2"/>
+          <a:blip r:embed="rId1"/>
           <a:stretch>
             <a:fillRect/>
           </a:stretch>
@@ -4056,6 +4367,30 @@
       <p:pic>
         <p:nvPicPr>
           <p:cNvPr id="4" name="Image 1" descr="preencoded.png"/>
+          <p:cNvPicPr>
+            <a:picLocks noChangeAspect="1"/>
+          </p:cNvPicPr>
+          <p:nvPr/>
+        </p:nvPicPr>
+        <p:blipFill>
+          <a:blip r:embed="rId1"/>
+          <a:stretch>
+            <a:fillRect/>
+          </a:stretch>
+        </p:blipFill>
+        <p:spPr>
+          <a:xfrm>
+            <a:off x="409897" y="222075"/>
+            <a:ext cx="346608" cy="346608"/>
+          </a:xfrm>
+          <a:prstGeom prst="rect">
+            <a:avLst/>
+          </a:prstGeom>
+        </p:spPr>
+      </p:pic>
+      <p:pic>
+        <p:nvPicPr>
+          <p:cNvPr id="5" name="Image 2" descr="preencoded.png"/>
           <p:cNvPicPr>
             <a:picLocks noChangeAspect="1"/>
           </p:cNvPicPr>
@@ -4069,30 +4404,6 @@
         </p:blipFill>
         <p:spPr>
           <a:xfrm>
-            <a:off x="409897" y="222075"/>
-            <a:ext cx="346608" cy="346608"/>
-          </a:xfrm>
-          <a:prstGeom prst="rect">
-            <a:avLst/>
-          </a:prstGeom>
-        </p:spPr>
-      </p:pic>
-      <p:pic>
-        <p:nvPicPr>
-          <p:cNvPr id="5" name="Image 2" descr="preencoded.png"/>
-          <p:cNvPicPr>
-            <a:picLocks noChangeAspect="1"/>
-          </p:cNvPicPr>
-          <p:nvPr/>
-        </p:nvPicPr>
-        <p:blipFill>
-          <a:blip r:embed="rId3"/>
-          <a:stretch>
-            <a:fillRect/>
-          </a:stretch>
-        </p:blipFill>
-        <p:spPr>
-          <a:xfrm>
             <a:off x="218305" y="222075"/>
             <a:ext cx="346608" cy="346608"/>
           </a:xfrm>
@@ -4109,12 +4420,12 @@
           </p:cNvPicPr>
           <p:nvPr>
             <p:custDataLst>
-              <p:tags r:id="rId4"/>
+              <p:tags r:id="rId3"/>
             </p:custDataLst>
           </p:nvPr>
         </p:nvPicPr>
         <p:blipFill>
-          <a:blip r:embed="rId5">
+          <a:blip r:embed="rId4">
             <a:alphaModFix amt="50000"/>
           </a:blip>
           <a:stretch>
@@ -4139,12 +4450,12 @@
           </p:cNvPicPr>
           <p:nvPr>
             <p:custDataLst>
-              <p:tags r:id="rId6"/>
+              <p:tags r:id="rId5"/>
             </p:custDataLst>
           </p:nvPr>
         </p:nvPicPr>
         <p:blipFill>
-          <a:blip r:embed="rId7"/>
+          <a:blip r:embed="rId6"/>
           <a:stretch>
             <a:fillRect/>
           </a:stretch>
@@ -4167,12 +4478,12 @@
           </p:cNvPicPr>
           <p:nvPr>
             <p:custDataLst>
-              <p:tags r:id="rId8"/>
+              <p:tags r:id="rId7"/>
             </p:custDataLst>
           </p:nvPr>
         </p:nvPicPr>
         <p:blipFill>
-          <a:blip r:embed="rId9"/>
+          <a:blip r:embed="rId8"/>
           <a:stretch>
             <a:fillRect/>
           </a:stretch>
@@ -4193,7 +4504,7 @@
           <p:cNvSpPr/>
           <p:nvPr>
             <p:custDataLst>
-              <p:tags r:id="rId10"/>
+              <p:tags r:id="rId9"/>
             </p:custDataLst>
           </p:nvPr>
         </p:nvSpPr>
@@ -4245,12 +4556,12 @@
           </p:cNvPicPr>
           <p:nvPr>
             <p:custDataLst>
-              <p:tags r:id="rId11"/>
+              <p:tags r:id="rId10"/>
             </p:custDataLst>
           </p:nvPr>
         </p:nvPicPr>
         <p:blipFill>
-          <a:blip r:embed="rId12">
+          <a:blip r:embed="rId11">
             <a:alphaModFix amt="50000"/>
           </a:blip>
           <a:stretch>
@@ -4275,12 +4586,12 @@
           </p:cNvPicPr>
           <p:nvPr>
             <p:custDataLst>
-              <p:tags r:id="rId13"/>
+              <p:tags r:id="rId12"/>
             </p:custDataLst>
           </p:nvPr>
         </p:nvPicPr>
         <p:blipFill>
-          <a:blip r:embed="rId14"/>
+          <a:blip r:embed="rId13"/>
           <a:stretch>
             <a:fillRect/>
           </a:stretch>
@@ -4303,12 +4614,12 @@
           </p:cNvPicPr>
           <p:nvPr>
             <p:custDataLst>
-              <p:tags r:id="rId15"/>
+              <p:tags r:id="rId14"/>
             </p:custDataLst>
           </p:nvPr>
         </p:nvPicPr>
         <p:blipFill>
-          <a:blip r:embed="rId9"/>
+          <a:blip r:embed="rId8"/>
           <a:stretch>
             <a:fillRect/>
           </a:stretch>
@@ -4329,7 +4640,7 @@
           <p:cNvSpPr/>
           <p:nvPr>
             <p:custDataLst>
-              <p:tags r:id="rId16"/>
+              <p:tags r:id="rId15"/>
             </p:custDataLst>
           </p:nvPr>
         </p:nvSpPr>
@@ -4381,12 +4692,12 @@
           </p:cNvPicPr>
           <p:nvPr>
             <p:custDataLst>
-              <p:tags r:id="rId17"/>
+              <p:tags r:id="rId16"/>
             </p:custDataLst>
           </p:nvPr>
         </p:nvPicPr>
         <p:blipFill>
-          <a:blip r:embed="rId18">
+          <a:blip r:embed="rId17">
             <a:alphaModFix amt="50000"/>
           </a:blip>
           <a:stretch>
@@ -4411,12 +4722,12 @@
           </p:cNvPicPr>
           <p:nvPr>
             <p:custDataLst>
-              <p:tags r:id="rId19"/>
+              <p:tags r:id="rId18"/>
             </p:custDataLst>
           </p:nvPr>
         </p:nvPicPr>
         <p:blipFill>
-          <a:blip r:embed="rId14"/>
+          <a:blip r:embed="rId13"/>
           <a:stretch>
             <a:fillRect/>
           </a:stretch>
@@ -4439,12 +4750,12 @@
           </p:cNvPicPr>
           <p:nvPr>
             <p:custDataLst>
-              <p:tags r:id="rId20"/>
+              <p:tags r:id="rId19"/>
             </p:custDataLst>
           </p:nvPr>
         </p:nvPicPr>
         <p:blipFill>
-          <a:blip r:embed="rId9"/>
+          <a:blip r:embed="rId8"/>
           <a:stretch>
             <a:fillRect/>
           </a:stretch>
@@ -4465,7 +4776,7 @@
           <p:cNvSpPr/>
           <p:nvPr>
             <p:custDataLst>
-              <p:tags r:id="rId21"/>
+              <p:tags r:id="rId20"/>
             </p:custDataLst>
           </p:nvPr>
         </p:nvSpPr>
@@ -4515,7 +4826,7 @@
           <p:cNvSpPr/>
           <p:nvPr>
             <p:custDataLst>
-              <p:tags r:id="rId22"/>
+              <p:tags r:id="rId21"/>
             </p:custDataLst>
           </p:nvPr>
         </p:nvSpPr>
@@ -4573,7 +4884,7 @@
           <p:cNvSpPr/>
           <p:nvPr>
             <p:custDataLst>
-              <p:tags r:id="rId23"/>
+              <p:tags r:id="rId22"/>
             </p:custDataLst>
           </p:nvPr>
         </p:nvSpPr>
@@ -4653,7 +4964,7 @@
           <p:cNvSpPr/>
           <p:nvPr>
             <p:custDataLst>
-              <p:tags r:id="rId24"/>
+              <p:tags r:id="rId23"/>
             </p:custDataLst>
           </p:nvPr>
         </p:nvSpPr>
@@ -4700,7 +5011,7 @@
           <p:cNvSpPr/>
           <p:nvPr>
             <p:custDataLst>
-              <p:tags r:id="rId25"/>
+              <p:tags r:id="rId24"/>
             </p:custDataLst>
           </p:nvPr>
         </p:nvSpPr>
@@ -4780,7 +5091,7 @@
           <p:cNvSpPr/>
           <p:nvPr>
             <p:custDataLst>
-              <p:tags r:id="rId26"/>
+              <p:tags r:id="rId25"/>
             </p:custDataLst>
           </p:nvPr>
         </p:nvSpPr>
@@ -4827,7 +5138,7 @@
           <p:cNvSpPr/>
           <p:nvPr>
             <p:custDataLst>
-              <p:tags r:id="rId27"/>
+              <p:tags r:id="rId26"/>
             </p:custDataLst>
           </p:nvPr>
         </p:nvSpPr>
@@ -4885,15 +5196,25 @@
   <p:cSld>
     <p:bg>
       <p:bgPr>
-        <a:blipFill dpi="0" rotWithShape="1">
-          <a:blip r:embed="rId1">
-            <a:lum/>
-          </a:blip>
-          <a:srcRect/>
-          <a:stretch>
-            <a:fillRect/>
-          </a:stretch>
-        </a:blipFill>
+        <a:gradFill rotWithShape="1">
+          <a:gsLst>
+            <a:gs pos="50000">
+              <a:schemeClr val="accent2"/>
+            </a:gs>
+            <a:gs pos="0">
+              <a:schemeClr val="accent2">
+                <a:lumMod val="25000"/>
+                <a:lumOff val="75000"/>
+              </a:schemeClr>
+            </a:gs>
+            <a:gs pos="100000">
+              <a:schemeClr val="accent2">
+                <a:lumMod val="85000"/>
+              </a:schemeClr>
+            </a:gs>
+          </a:gsLst>
+          <a:lin ang="5400000" scaled="1"/>
+        </a:gradFill>
         <a:effectLst/>
       </p:bgPr>
     </p:bg>
@@ -4920,7 +5241,7 @@
           <p:nvPr/>
         </p:nvPicPr>
         <p:blipFill>
-          <a:blip r:embed="rId2"/>
+          <a:blip r:embed="rId1"/>
           <a:stretch>
             <a:fillRect/>
           </a:stretch>
@@ -5040,15 +5361,25 @@
   <p:cSld>
     <p:bg>
       <p:bgPr>
-        <a:blipFill dpi="0" rotWithShape="1">
-          <a:blip r:embed="rId1">
-            <a:lum/>
-          </a:blip>
-          <a:srcRect/>
-          <a:stretch>
-            <a:fillRect/>
-          </a:stretch>
-        </a:blipFill>
+        <a:gradFill rotWithShape="1">
+          <a:gsLst>
+            <a:gs pos="50000">
+              <a:schemeClr val="accent2"/>
+            </a:gs>
+            <a:gs pos="0">
+              <a:schemeClr val="accent2">
+                <a:lumMod val="25000"/>
+                <a:lumOff val="75000"/>
+              </a:schemeClr>
+            </a:gs>
+            <a:gs pos="100000">
+              <a:schemeClr val="accent2">
+                <a:lumMod val="85000"/>
+              </a:schemeClr>
+            </a:gs>
+          </a:gsLst>
+          <a:lin ang="5400000" scaled="1"/>
+        </a:gradFill>
         <a:effectLst/>
       </p:bgPr>
     </p:bg>
@@ -5121,7 +5452,7 @@
           <p:nvPr/>
         </p:nvPicPr>
         <p:blipFill>
-          <a:blip r:embed="rId2"/>
+          <a:blip r:embed="rId1"/>
           <a:stretch>
             <a:fillRect/>
           </a:stretch>
@@ -5145,7 +5476,7 @@
           <p:nvPr/>
         </p:nvPicPr>
         <p:blipFill>
-          <a:blip r:embed="rId2"/>
+          <a:blip r:embed="rId1"/>
           <a:stretch>
             <a:fillRect/>
           </a:stretch>
@@ -5169,7 +5500,7 @@
           <p:nvPr/>
         </p:nvPicPr>
         <p:blipFill>
-          <a:blip r:embed="rId3"/>
+          <a:blip r:embed="rId2"/>
           <a:stretch>
             <a:fillRect/>
           </a:stretch>
@@ -5594,7 +5925,7 @@
           <p:nvPr/>
         </p:nvPicPr>
         <p:blipFill>
-          <a:blip r:embed="rId4"/>
+          <a:blip r:embed="rId3"/>
           <a:stretch>
             <a:fillRect/>
           </a:stretch>
@@ -5622,15 +5953,25 @@
   <p:cSld>
     <p:bg>
       <p:bgPr>
-        <a:blipFill dpi="0" rotWithShape="1">
-          <a:blip r:embed="rId1">
-            <a:lum/>
-          </a:blip>
-          <a:srcRect/>
-          <a:stretch>
-            <a:fillRect/>
-          </a:stretch>
-        </a:blipFill>
+        <a:gradFill rotWithShape="1">
+          <a:gsLst>
+            <a:gs pos="50000">
+              <a:schemeClr val="accent2"/>
+            </a:gs>
+            <a:gs pos="0">
+              <a:schemeClr val="accent2">
+                <a:lumMod val="25000"/>
+                <a:lumOff val="75000"/>
+              </a:schemeClr>
+            </a:gs>
+            <a:gs pos="100000">
+              <a:schemeClr val="accent2">
+                <a:lumMod val="85000"/>
+              </a:schemeClr>
+            </a:gs>
+          </a:gsLst>
+          <a:lin ang="5400000" scaled="1"/>
+        </a:gradFill>
         <a:effectLst/>
       </p:bgPr>
     </p:bg>
@@ -5703,7 +6044,7 @@
           <p:nvPr/>
         </p:nvPicPr>
         <p:blipFill>
-          <a:blip r:embed="rId2"/>
+          <a:blip r:embed="rId1"/>
           <a:stretch>
             <a:fillRect/>
           </a:stretch>
@@ -5727,7 +6068,7 @@
           <p:nvPr/>
         </p:nvPicPr>
         <p:blipFill>
-          <a:blip r:embed="rId2"/>
+          <a:blip r:embed="rId1"/>
           <a:stretch>
             <a:fillRect/>
           </a:stretch>
@@ -5751,7 +6092,7 @@
           <p:nvPr/>
         </p:nvPicPr>
         <p:blipFill>
-          <a:blip r:embed="rId3"/>
+          <a:blip r:embed="rId2"/>
           <a:stretch>
             <a:fillRect/>
           </a:stretch>
@@ -5880,7 +6221,7 @@
           <p:nvPr/>
         </p:nvPicPr>
         <p:blipFill>
-          <a:blip r:embed="rId4"/>
+          <a:blip r:embed="rId3"/>
           <a:stretch>
             <a:fillRect/>
           </a:stretch>
@@ -5908,15 +6249,25 @@
   <p:cSld>
     <p:bg>
       <p:bgPr>
-        <a:blipFill dpi="0" rotWithShape="1">
-          <a:blip r:embed="rId1">
-            <a:lum/>
-          </a:blip>
-          <a:srcRect/>
-          <a:stretch>
-            <a:fillRect/>
-          </a:stretch>
-        </a:blipFill>
+        <a:gradFill rotWithShape="1">
+          <a:gsLst>
+            <a:gs pos="50000">
+              <a:schemeClr val="accent2"/>
+            </a:gs>
+            <a:gs pos="0">
+              <a:schemeClr val="accent2">
+                <a:lumMod val="25000"/>
+                <a:lumOff val="75000"/>
+              </a:schemeClr>
+            </a:gs>
+            <a:gs pos="100000">
+              <a:schemeClr val="accent2">
+                <a:lumMod val="85000"/>
+              </a:schemeClr>
+            </a:gs>
+          </a:gsLst>
+          <a:lin ang="5400000" scaled="1"/>
+        </a:gradFill>
         <a:effectLst/>
       </p:bgPr>
     </p:bg>
@@ -5943,7 +6294,7 @@
           <p:nvPr/>
         </p:nvPicPr>
         <p:blipFill>
-          <a:blip r:embed="rId2"/>
+          <a:blip r:embed="rId1"/>
           <a:stretch>
             <a:fillRect/>
           </a:stretch>
@@ -6063,15 +6414,25 @@
   <p:cSld>
     <p:bg>
       <p:bgPr>
-        <a:blipFill dpi="0" rotWithShape="1">
-          <a:blip r:embed="rId1">
-            <a:lum/>
-          </a:blip>
-          <a:srcRect/>
-          <a:stretch>
-            <a:fillRect/>
-          </a:stretch>
-        </a:blipFill>
+        <a:gradFill rotWithShape="1">
+          <a:gsLst>
+            <a:gs pos="50000">
+              <a:schemeClr val="accent2"/>
+            </a:gs>
+            <a:gs pos="0">
+              <a:schemeClr val="accent2">
+                <a:lumMod val="25000"/>
+                <a:lumOff val="75000"/>
+              </a:schemeClr>
+            </a:gs>
+            <a:gs pos="100000">
+              <a:schemeClr val="accent2">
+                <a:lumMod val="85000"/>
+              </a:schemeClr>
+            </a:gs>
+          </a:gsLst>
+          <a:lin ang="5400000" scaled="1"/>
+        </a:gradFill>
         <a:effectLst/>
       </p:bgPr>
     </p:bg>
@@ -6144,7 +6505,7 @@
           <p:nvPr/>
         </p:nvPicPr>
         <p:blipFill>
-          <a:blip r:embed="rId2"/>
+          <a:blip r:embed="rId1"/>
           <a:stretch>
             <a:fillRect/>
           </a:stretch>
@@ -6162,6 +6523,30 @@
       <p:pic>
         <p:nvPicPr>
           <p:cNvPr id="4" name="Image 1" descr="preencoded.png"/>
+          <p:cNvPicPr>
+            <a:picLocks noChangeAspect="1"/>
+          </p:cNvPicPr>
+          <p:nvPr/>
+        </p:nvPicPr>
+        <p:blipFill>
+          <a:blip r:embed="rId1"/>
+          <a:stretch>
+            <a:fillRect/>
+          </a:stretch>
+        </p:blipFill>
+        <p:spPr>
+          <a:xfrm>
+            <a:off x="409897" y="222075"/>
+            <a:ext cx="346608" cy="346608"/>
+          </a:xfrm>
+          <a:prstGeom prst="rect">
+            <a:avLst/>
+          </a:prstGeom>
+        </p:spPr>
+      </p:pic>
+      <p:pic>
+        <p:nvPicPr>
+          <p:cNvPr id="5" name="Image 2" descr="preencoded.png"/>
           <p:cNvPicPr>
             <a:picLocks noChangeAspect="1"/>
           </p:cNvPicPr>
@@ -6175,30 +6560,6 @@
         </p:blipFill>
         <p:spPr>
           <a:xfrm>
-            <a:off x="409897" y="222075"/>
-            <a:ext cx="346608" cy="346608"/>
-          </a:xfrm>
-          <a:prstGeom prst="rect">
-            <a:avLst/>
-          </a:prstGeom>
-        </p:spPr>
-      </p:pic>
-      <p:pic>
-        <p:nvPicPr>
-          <p:cNvPr id="5" name="Image 2" descr="preencoded.png"/>
-          <p:cNvPicPr>
-            <a:picLocks noChangeAspect="1"/>
-          </p:cNvPicPr>
-          <p:nvPr/>
-        </p:nvPicPr>
-        <p:blipFill>
-          <a:blip r:embed="rId3"/>
-          <a:stretch>
-            <a:fillRect/>
-          </a:stretch>
-        </p:blipFill>
-        <p:spPr>
-          <a:xfrm>
             <a:off x="218305" y="222075"/>
             <a:ext cx="346608" cy="346608"/>
           </a:xfrm>
@@ -6215,12 +6576,12 @@
           </p:cNvPicPr>
           <p:nvPr>
             <p:custDataLst>
-              <p:tags r:id="rId4"/>
+              <p:tags r:id="rId3"/>
             </p:custDataLst>
           </p:nvPr>
         </p:nvPicPr>
         <p:blipFill>
-          <a:blip r:embed="rId5">
+          <a:blip r:embed="rId4">
             <a:alphaModFix amt="10000"/>
           </a:blip>
           <a:stretch>
@@ -6245,12 +6606,12 @@
           </p:cNvPicPr>
           <p:nvPr>
             <p:custDataLst>
-              <p:tags r:id="rId6"/>
+              <p:tags r:id="rId5"/>
             </p:custDataLst>
           </p:nvPr>
         </p:nvPicPr>
         <p:blipFill>
-          <a:blip r:embed="rId7"/>
+          <a:blip r:embed="rId6"/>
           <a:stretch>
             <a:fillRect/>
           </a:stretch>
@@ -6271,7 +6632,7 @@
           <p:cNvSpPr/>
           <p:nvPr>
             <p:custDataLst>
-              <p:tags r:id="rId8"/>
+              <p:tags r:id="rId7"/>
             </p:custDataLst>
           </p:nvPr>
         </p:nvSpPr>
@@ -6323,12 +6684,12 @@
           </p:cNvPicPr>
           <p:nvPr>
             <p:custDataLst>
-              <p:tags r:id="rId9"/>
+              <p:tags r:id="rId8"/>
             </p:custDataLst>
           </p:nvPr>
         </p:nvPicPr>
         <p:blipFill>
-          <a:blip r:embed="rId10">
+          <a:blip r:embed="rId9">
             <a:alphaModFix amt="10000"/>
           </a:blip>
           <a:stretch>
@@ -6353,12 +6714,12 @@
           </p:cNvPicPr>
           <p:nvPr>
             <p:custDataLst>
-              <p:tags r:id="rId11"/>
+              <p:tags r:id="rId10"/>
             </p:custDataLst>
           </p:nvPr>
         </p:nvPicPr>
         <p:blipFill>
-          <a:blip r:embed="rId12"/>
+          <a:blip r:embed="rId11"/>
           <a:stretch>
             <a:fillRect/>
           </a:stretch>
@@ -6379,7 +6740,7 @@
           <p:cNvSpPr/>
           <p:nvPr>
             <p:custDataLst>
-              <p:tags r:id="rId13"/>
+              <p:tags r:id="rId12"/>
             </p:custDataLst>
           </p:nvPr>
         </p:nvSpPr>
@@ -6431,12 +6792,12 @@
           </p:cNvPicPr>
           <p:nvPr>
             <p:custDataLst>
-              <p:tags r:id="rId14"/>
+              <p:tags r:id="rId13"/>
             </p:custDataLst>
           </p:nvPr>
         </p:nvPicPr>
         <p:blipFill>
-          <a:blip r:embed="rId15">
+          <a:blip r:embed="rId14">
             <a:alphaModFix amt="10000"/>
           </a:blip>
           <a:stretch>
@@ -6461,12 +6822,12 @@
           </p:cNvPicPr>
           <p:nvPr>
             <p:custDataLst>
-              <p:tags r:id="rId16"/>
+              <p:tags r:id="rId15"/>
             </p:custDataLst>
           </p:nvPr>
         </p:nvPicPr>
         <p:blipFill>
-          <a:blip r:embed="rId7"/>
+          <a:blip r:embed="rId6"/>
           <a:stretch>
             <a:fillRect/>
           </a:stretch>
@@ -6487,7 +6848,7 @@
           <p:cNvSpPr/>
           <p:nvPr>
             <p:custDataLst>
-              <p:tags r:id="rId17"/>
+              <p:tags r:id="rId16"/>
             </p:custDataLst>
           </p:nvPr>
         </p:nvSpPr>
@@ -6539,12 +6900,12 @@
           </p:cNvPicPr>
           <p:nvPr>
             <p:custDataLst>
-              <p:tags r:id="rId18"/>
+              <p:tags r:id="rId17"/>
             </p:custDataLst>
           </p:nvPr>
         </p:nvPicPr>
         <p:blipFill>
-          <a:blip r:embed="rId19">
+          <a:blip r:embed="rId18">
             <a:alphaModFix amt="10000"/>
           </a:blip>
           <a:stretch>
@@ -6569,12 +6930,12 @@
           </p:cNvPicPr>
           <p:nvPr>
             <p:custDataLst>
-              <p:tags r:id="rId20"/>
+              <p:tags r:id="rId19"/>
             </p:custDataLst>
           </p:nvPr>
         </p:nvPicPr>
         <p:blipFill>
-          <a:blip r:embed="rId12"/>
+          <a:blip r:embed="rId11"/>
           <a:stretch>
             <a:fillRect/>
           </a:stretch>
@@ -6595,7 +6956,7 @@
           <p:cNvSpPr/>
           <p:nvPr>
             <p:custDataLst>
-              <p:tags r:id="rId21"/>
+              <p:tags r:id="rId20"/>
             </p:custDataLst>
           </p:nvPr>
         </p:nvSpPr>
@@ -6647,12 +7008,12 @@
           </p:cNvPicPr>
           <p:nvPr>
             <p:custDataLst>
-              <p:tags r:id="rId22"/>
+              <p:tags r:id="rId21"/>
             </p:custDataLst>
           </p:nvPr>
         </p:nvPicPr>
         <p:blipFill>
-          <a:blip r:embed="rId23">
+          <a:blip r:embed="rId22">
             <a:alphaModFix amt="10000"/>
           </a:blip>
           <a:stretch>
@@ -6677,12 +7038,12 @@
           </p:cNvPicPr>
           <p:nvPr>
             <p:custDataLst>
-              <p:tags r:id="rId24"/>
+              <p:tags r:id="rId23"/>
             </p:custDataLst>
           </p:nvPr>
         </p:nvPicPr>
         <p:blipFill>
-          <a:blip r:embed="rId7"/>
+          <a:blip r:embed="rId6"/>
           <a:stretch>
             <a:fillRect/>
           </a:stretch>
@@ -6703,7 +7064,7 @@
           <p:cNvSpPr/>
           <p:nvPr>
             <p:custDataLst>
-              <p:tags r:id="rId25"/>
+              <p:tags r:id="rId24"/>
             </p:custDataLst>
           </p:nvPr>
         </p:nvSpPr>
@@ -6755,12 +7116,12 @@
           </p:cNvPicPr>
           <p:nvPr>
             <p:custDataLst>
-              <p:tags r:id="rId26"/>
+              <p:tags r:id="rId25"/>
             </p:custDataLst>
           </p:nvPr>
         </p:nvPicPr>
         <p:blipFill>
-          <a:blip r:embed="rId27">
+          <a:blip r:embed="rId26">
             <a:alphaModFix amt="10000"/>
           </a:blip>
           <a:stretch>
@@ -6785,12 +7146,12 @@
           </p:cNvPicPr>
           <p:nvPr>
             <p:custDataLst>
-              <p:tags r:id="rId28"/>
+              <p:tags r:id="rId27"/>
             </p:custDataLst>
           </p:nvPr>
         </p:nvPicPr>
         <p:blipFill>
-          <a:blip r:embed="rId12"/>
+          <a:blip r:embed="rId11"/>
           <a:stretch>
             <a:fillRect/>
           </a:stretch>
@@ -6811,7 +7172,7 @@
           <p:cNvSpPr/>
           <p:nvPr>
             <p:custDataLst>
-              <p:tags r:id="rId29"/>
+              <p:tags r:id="rId28"/>
             </p:custDataLst>
           </p:nvPr>
         </p:nvSpPr>
@@ -6863,12 +7224,12 @@
           </p:cNvPicPr>
           <p:nvPr>
             <p:custDataLst>
-              <p:tags r:id="rId30"/>
+              <p:tags r:id="rId29"/>
             </p:custDataLst>
           </p:nvPr>
         </p:nvPicPr>
         <p:blipFill>
-          <a:blip r:embed="rId31">
+          <a:blip r:embed="rId30">
             <a:alphaModFix amt="10000"/>
           </a:blip>
           <a:stretch>
@@ -6893,12 +7254,12 @@
           </p:cNvPicPr>
           <p:nvPr>
             <p:custDataLst>
-              <p:tags r:id="rId32"/>
+              <p:tags r:id="rId31"/>
             </p:custDataLst>
           </p:nvPr>
         </p:nvPicPr>
         <p:blipFill>
-          <a:blip r:embed="rId7"/>
+          <a:blip r:embed="rId6"/>
           <a:stretch>
             <a:fillRect/>
           </a:stretch>
@@ -6919,7 +7280,7 @@
           <p:cNvSpPr/>
           <p:nvPr>
             <p:custDataLst>
-              <p:tags r:id="rId33"/>
+              <p:tags r:id="rId32"/>
             </p:custDataLst>
           </p:nvPr>
         </p:nvSpPr>
@@ -6969,7 +7330,7 @@
           <p:cNvSpPr/>
           <p:nvPr>
             <p:custDataLst>
-              <p:tags r:id="rId34"/>
+              <p:tags r:id="rId33"/>
             </p:custDataLst>
           </p:nvPr>
         </p:nvSpPr>
@@ -7019,7 +7380,7 @@
           <p:cNvSpPr/>
           <p:nvPr>
             <p:custDataLst>
-              <p:tags r:id="rId35"/>
+              <p:tags r:id="rId34"/>
             </p:custDataLst>
           </p:nvPr>
         </p:nvSpPr>
@@ -7069,7 +7430,7 @@
           <p:cNvSpPr/>
           <p:nvPr>
             <p:custDataLst>
-              <p:tags r:id="rId36"/>
+              <p:tags r:id="rId35"/>
             </p:custDataLst>
           </p:nvPr>
         </p:nvSpPr>
@@ -7130,7 +7491,7 @@
           <p:cNvSpPr/>
           <p:nvPr>
             <p:custDataLst>
-              <p:tags r:id="rId37"/>
+              <p:tags r:id="rId36"/>
             </p:custDataLst>
           </p:nvPr>
         </p:nvSpPr>
@@ -7202,7 +7563,7 @@
           <p:cNvSpPr/>
           <p:nvPr>
             <p:custDataLst>
-              <p:tags r:id="rId38"/>
+              <p:tags r:id="rId37"/>
             </p:custDataLst>
           </p:nvPr>
         </p:nvSpPr>
@@ -7252,7 +7613,7 @@
           <p:cNvSpPr/>
           <p:nvPr>
             <p:custDataLst>
-              <p:tags r:id="rId39"/>
+              <p:tags r:id="rId38"/>
             </p:custDataLst>
           </p:nvPr>
         </p:nvSpPr>
@@ -7302,7 +7663,7 @@
           <p:cNvSpPr/>
           <p:nvPr>
             <p:custDataLst>
-              <p:tags r:id="rId40"/>
+              <p:tags r:id="rId39"/>
             </p:custDataLst>
           </p:nvPr>
         </p:nvSpPr>
@@ -7353,7 +7714,7 @@
           <p:nvPr/>
         </p:nvPicPr>
         <p:blipFill>
-          <a:blip r:embed="rId41"/>
+          <a:blip r:embed="rId40"/>
           <a:stretch>
             <a:fillRect/>
           </a:stretch>
@@ -7381,15 +7742,25 @@
   <p:cSld>
     <p:bg>
       <p:bgPr>
-        <a:blipFill dpi="0" rotWithShape="1">
-          <a:blip r:embed="rId1">
-            <a:lum/>
-          </a:blip>
-          <a:srcRect/>
-          <a:stretch>
-            <a:fillRect/>
-          </a:stretch>
-        </a:blipFill>
+        <a:gradFill rotWithShape="1">
+          <a:gsLst>
+            <a:gs pos="50000">
+              <a:schemeClr val="accent2"/>
+            </a:gs>
+            <a:gs pos="0">
+              <a:schemeClr val="accent2">
+                <a:lumMod val="25000"/>
+                <a:lumOff val="75000"/>
+              </a:schemeClr>
+            </a:gs>
+            <a:gs pos="100000">
+              <a:schemeClr val="accent2">
+                <a:lumMod val="85000"/>
+              </a:schemeClr>
+            </a:gs>
+          </a:gsLst>
+          <a:lin ang="5400000" scaled="1"/>
+        </a:gradFill>
         <a:effectLst/>
       </p:bgPr>
     </p:bg>
@@ -7537,15 +7908,25 @@
   <p:cSld>
     <p:bg>
       <p:bgPr>
-        <a:blipFill dpi="0" rotWithShape="1">
-          <a:blip r:embed="rId1">
-            <a:lum/>
-          </a:blip>
-          <a:srcRect/>
-          <a:stretch>
-            <a:fillRect/>
-          </a:stretch>
-        </a:blipFill>
+        <a:gradFill rotWithShape="1">
+          <a:gsLst>
+            <a:gs pos="50000">
+              <a:schemeClr val="accent2"/>
+            </a:gs>
+            <a:gs pos="0">
+              <a:schemeClr val="accent2">
+                <a:lumMod val="25000"/>
+                <a:lumOff val="75000"/>
+              </a:schemeClr>
+            </a:gs>
+            <a:gs pos="100000">
+              <a:schemeClr val="accent2">
+                <a:lumMod val="85000"/>
+              </a:schemeClr>
+            </a:gs>
+          </a:gsLst>
+          <a:lin ang="5400000" scaled="1"/>
+        </a:gradFill>
         <a:effectLst/>
       </p:bgPr>
     </p:bg>
@@ -8222,15 +8603,25 @@
   <p:cSld>
     <p:bg>
       <p:bgPr>
-        <a:blipFill dpi="0" rotWithShape="1">
-          <a:blip r:embed="rId1">
-            <a:lum/>
-          </a:blip>
-          <a:srcRect/>
-          <a:stretch>
-            <a:fillRect/>
-          </a:stretch>
-        </a:blipFill>
+        <a:gradFill rotWithShape="1">
+          <a:gsLst>
+            <a:gs pos="50000">
+              <a:schemeClr val="accent2"/>
+            </a:gs>
+            <a:gs pos="0">
+              <a:schemeClr val="accent2">
+                <a:lumMod val="25000"/>
+                <a:lumOff val="75000"/>
+              </a:schemeClr>
+            </a:gs>
+            <a:gs pos="100000">
+              <a:schemeClr val="accent2">
+                <a:lumMod val="85000"/>
+              </a:schemeClr>
+            </a:gs>
+          </a:gsLst>
+          <a:lin ang="5400000" scaled="1"/>
+        </a:gradFill>
         <a:effectLst/>
       </p:bgPr>
     </p:bg>
@@ -8257,7 +8648,7 @@
           <p:nvPr/>
         </p:nvPicPr>
         <p:blipFill>
-          <a:blip r:embed="rId2"/>
+          <a:blip r:embed="rId1"/>
           <a:stretch>
             <a:fillRect/>
           </a:stretch>
@@ -8377,15 +8768,25 @@
   <p:cSld>
     <p:bg>
       <p:bgPr>
-        <a:blipFill dpi="0" rotWithShape="1">
-          <a:blip r:embed="rId1">
-            <a:lum/>
-          </a:blip>
-          <a:srcRect/>
-          <a:stretch>
-            <a:fillRect/>
-          </a:stretch>
-        </a:blipFill>
+        <a:gradFill rotWithShape="1">
+          <a:gsLst>
+            <a:gs pos="50000">
+              <a:schemeClr val="accent2"/>
+            </a:gs>
+            <a:gs pos="0">
+              <a:schemeClr val="accent2">
+                <a:lumMod val="25000"/>
+                <a:lumOff val="75000"/>
+              </a:schemeClr>
+            </a:gs>
+            <a:gs pos="100000">
+              <a:schemeClr val="accent2">
+                <a:lumMod val="85000"/>
+              </a:schemeClr>
+            </a:gs>
+          </a:gsLst>
+          <a:lin ang="5400000" scaled="1"/>
+        </a:gradFill>
         <a:effectLst/>
       </p:bgPr>
     </p:bg>
@@ -8458,7 +8859,7 @@
           <p:nvPr/>
         </p:nvPicPr>
         <p:blipFill>
-          <a:blip r:embed="rId2"/>
+          <a:blip r:embed="rId1"/>
           <a:stretch>
             <a:fillRect/>
           </a:stretch>
@@ -8476,6 +8877,30 @@
       <p:pic>
         <p:nvPicPr>
           <p:cNvPr id="4" name="Image 1" descr="preencoded.png"/>
+          <p:cNvPicPr>
+            <a:picLocks noChangeAspect="1"/>
+          </p:cNvPicPr>
+          <p:nvPr/>
+        </p:nvPicPr>
+        <p:blipFill>
+          <a:blip r:embed="rId1"/>
+          <a:stretch>
+            <a:fillRect/>
+          </a:stretch>
+        </p:blipFill>
+        <p:spPr>
+          <a:xfrm>
+            <a:off x="409897" y="222075"/>
+            <a:ext cx="346608" cy="346608"/>
+          </a:xfrm>
+          <a:prstGeom prst="rect">
+            <a:avLst/>
+          </a:prstGeom>
+        </p:spPr>
+      </p:pic>
+      <p:pic>
+        <p:nvPicPr>
+          <p:cNvPr id="5" name="Image 2" descr="preencoded.png"/>
           <p:cNvPicPr>
             <a:picLocks noChangeAspect="1"/>
           </p:cNvPicPr>
@@ -8489,7 +8914,7 @@
         </p:blipFill>
         <p:spPr>
           <a:xfrm>
-            <a:off x="409897" y="222075"/>
+            <a:off x="218305" y="222075"/>
             <a:ext cx="346608" cy="346608"/>
           </a:xfrm>
           <a:prstGeom prst="rect">
@@ -8497,12 +8922,519 @@
           </a:prstGeom>
         </p:spPr>
       </p:pic>
+      <p:sp>
+        <p:nvSpPr>
+          <p:cNvPr id="7" name="Text 1"/>
+          <p:cNvSpPr/>
+          <p:nvPr/>
+        </p:nvSpPr>
+        <p:spPr>
+          <a:xfrm>
+            <a:off x="3736340" y="1199515"/>
+            <a:ext cx="5212080" cy="2786380"/>
+          </a:xfrm>
+          <a:prstGeom prst="rect">
+            <a:avLst/>
+          </a:prstGeom>
+          <a:noFill/>
+        </p:spPr>
+        <p:txBody>
+          <a:bodyPr wrap="square" lIns="95250" tIns="95250" rIns="95250" bIns="95250" rtlCol="0" anchor="t">
+            <a:noAutofit/>
+          </a:bodyPr>
+          <a:lstStyle/>
+          <a:p>
+            <a:pPr algn="l"/>
+            <a:r>
+              <a:rPr lang="zh-CN" altLang="en-US" sz="1200">
+                <a:sym typeface="+mn-ea"/>
+              </a:rPr>
+              <a:t>随着</a:t>
+            </a:r>
+            <a:r>
+              <a:rPr lang="zh-CN" altLang="en-US" sz="1200" dirty="0">
+                <a:latin typeface="宋体" panose="02010600030101010101" pitchFamily="2" charset="-122"/>
+                <a:ea typeface="宋体" panose="02010600030101010101" pitchFamily="2" charset="-122"/>
+                <a:cs typeface="宋体" panose="02010600030101010101" pitchFamily="2" charset="-122"/>
+              </a:rPr>
+              <a:t>行业发展需求：</a:t>
+            </a:r>
+            <a:r>
+              <a:rPr lang="en-US" altLang="zh-CN" sz="1200" dirty="0">
+                <a:latin typeface="宋体" panose="02010600030101010101" pitchFamily="2" charset="-122"/>
+                <a:ea typeface="宋体" panose="02010600030101010101" pitchFamily="2" charset="-122"/>
+                <a:cs typeface="宋体" panose="02010600030101010101" pitchFamily="2" charset="-122"/>
+              </a:rPr>
+              <a:t> </a:t>
+            </a:r>
+            <a:r>
+              <a:rPr lang="zh-CN" altLang="en-US" sz="1200" dirty="0">
+                <a:latin typeface="宋体" panose="02010600030101010101" pitchFamily="2" charset="-122"/>
+                <a:ea typeface="宋体" panose="02010600030101010101" pitchFamily="2" charset="-122"/>
+                <a:cs typeface="宋体" panose="02010600030101010101" pitchFamily="2" charset="-122"/>
+              </a:rPr>
+              <a:t>随着社会经济发展，</a:t>
+            </a:r>
+            <a:r>
+              <a:rPr lang="en-US" altLang="zh-CN" sz="1200" dirty="0">
+                <a:latin typeface="宋体" panose="02010600030101010101" pitchFamily="2" charset="-122"/>
+                <a:ea typeface="宋体" panose="02010600030101010101" pitchFamily="2" charset="-122"/>
+                <a:cs typeface="宋体" panose="02010600030101010101" pitchFamily="2" charset="-122"/>
+              </a:rPr>
+              <a:t>“</a:t>
+            </a:r>
+            <a:r>
+              <a:rPr lang="zh-CN" altLang="en-US" sz="1200" dirty="0">
+                <a:latin typeface="宋体" panose="02010600030101010101" pitchFamily="2" charset="-122"/>
+                <a:ea typeface="宋体" panose="02010600030101010101" pitchFamily="2" charset="-122"/>
+                <a:cs typeface="宋体" panose="02010600030101010101" pitchFamily="2" charset="-122"/>
+              </a:rPr>
+              <a:t>它经济</a:t>
+            </a:r>
+            <a:r>
+              <a:rPr lang="en-US" altLang="zh-CN" sz="1200" dirty="0">
+                <a:latin typeface="宋体" panose="02010600030101010101" pitchFamily="2" charset="-122"/>
+                <a:ea typeface="宋体" panose="02010600030101010101" pitchFamily="2" charset="-122"/>
+                <a:cs typeface="宋体" panose="02010600030101010101" pitchFamily="2" charset="-122"/>
+              </a:rPr>
+              <a:t>”</a:t>
+            </a:r>
+            <a:r>
+              <a:rPr lang="zh-CN" altLang="en-US" sz="1200" dirty="0">
+                <a:latin typeface="宋体" panose="02010600030101010101" pitchFamily="2" charset="-122"/>
+                <a:ea typeface="宋体" panose="02010600030101010101" pitchFamily="2" charset="-122"/>
+                <a:cs typeface="宋体" panose="02010600030101010101" pitchFamily="2" charset="-122"/>
+              </a:rPr>
+              <a:t>（或</a:t>
+            </a:r>
+            <a:r>
+              <a:rPr lang="en-US" altLang="zh-CN" sz="1200" dirty="0">
+                <a:latin typeface="宋体" panose="02010600030101010101" pitchFamily="2" charset="-122"/>
+                <a:ea typeface="宋体" panose="02010600030101010101" pitchFamily="2" charset="-122"/>
+                <a:cs typeface="宋体" panose="02010600030101010101" pitchFamily="2" charset="-122"/>
+              </a:rPr>
+              <a:t>“</a:t>
+            </a:r>
+            <a:r>
+              <a:rPr lang="zh-CN" altLang="en-US" sz="1200" dirty="0">
+                <a:latin typeface="宋体" panose="02010600030101010101" pitchFamily="2" charset="-122"/>
+                <a:ea typeface="宋体" panose="02010600030101010101" pitchFamily="2" charset="-122"/>
+                <a:cs typeface="宋体" panose="02010600030101010101" pitchFamily="2" charset="-122"/>
+              </a:rPr>
+              <a:t>宠物经济</a:t>
+            </a:r>
+            <a:r>
+              <a:rPr lang="en-US" altLang="zh-CN" sz="1200" dirty="0">
+                <a:latin typeface="宋体" panose="02010600030101010101" pitchFamily="2" charset="-122"/>
+                <a:ea typeface="宋体" panose="02010600030101010101" pitchFamily="2" charset="-122"/>
+                <a:cs typeface="宋体" panose="02010600030101010101" pitchFamily="2" charset="-122"/>
+              </a:rPr>
+              <a:t>”</a:t>
+            </a:r>
+            <a:r>
+              <a:rPr lang="zh-CN" altLang="en-US" sz="1200" dirty="0">
+                <a:latin typeface="宋体" panose="02010600030101010101" pitchFamily="2" charset="-122"/>
+                <a:ea typeface="宋体" panose="02010600030101010101" pitchFamily="2" charset="-122"/>
+                <a:cs typeface="宋体" panose="02010600030101010101" pitchFamily="2" charset="-122"/>
+              </a:rPr>
+              <a:t>）悄然兴起</a:t>
+            </a:r>
+            <a:r>
+              <a:rPr lang="en-US" altLang="zh-CN" sz="1200" dirty="0">
+                <a:latin typeface="宋体" panose="02010600030101010101" pitchFamily="2" charset="-122"/>
+                <a:ea typeface="宋体" panose="02010600030101010101" pitchFamily="2" charset="-122"/>
+                <a:cs typeface="宋体" panose="02010600030101010101" pitchFamily="2" charset="-122"/>
+              </a:rPr>
+              <a:t> </a:t>
+            </a:r>
+            <a:r>
+              <a:rPr lang="zh-CN" altLang="en-US" sz="1200" dirty="0">
+                <a:latin typeface="宋体" panose="02010600030101010101" pitchFamily="2" charset="-122"/>
+                <a:ea typeface="宋体" panose="02010600030101010101" pitchFamily="2" charset="-122"/>
+                <a:cs typeface="宋体" panose="02010600030101010101" pitchFamily="2" charset="-122"/>
+              </a:rPr>
+              <a:t>。（</a:t>
+            </a:r>
+            <a:r>
+              <a:rPr lang="en-US" altLang="zh-CN" sz="1200" dirty="0">
+                <a:latin typeface="宋体" panose="02010600030101010101" pitchFamily="2" charset="-122"/>
+                <a:ea typeface="宋体" panose="02010600030101010101" pitchFamily="2" charset="-122"/>
+                <a:cs typeface="宋体" panose="02010600030101010101" pitchFamily="2" charset="-122"/>
+              </a:rPr>
+              <a:t>1</a:t>
+            </a:r>
+            <a:r>
+              <a:rPr lang="zh-CN" altLang="en-US" sz="1200" dirty="0">
+                <a:latin typeface="宋体" panose="02010600030101010101" pitchFamily="2" charset="-122"/>
+                <a:ea typeface="宋体" panose="02010600030101010101" pitchFamily="2" charset="-122"/>
+                <a:cs typeface="宋体" panose="02010600030101010101" pitchFamily="2" charset="-122"/>
+              </a:rPr>
+              <a:t>）养宠人群持续扩大，宠物主们对商品的品质化、个性化需求日益增长</a:t>
+            </a:r>
+            <a:r>
+              <a:rPr lang="en-US" altLang="zh-CN" sz="1200" dirty="0">
+                <a:latin typeface="宋体" panose="02010600030101010101" pitchFamily="2" charset="-122"/>
+                <a:ea typeface="宋体" panose="02010600030101010101" pitchFamily="2" charset="-122"/>
+                <a:cs typeface="宋体" panose="02010600030101010101" pitchFamily="2" charset="-122"/>
+              </a:rPr>
+              <a:t> </a:t>
+            </a:r>
+            <a:r>
+              <a:rPr lang="zh-CN" altLang="en-US" sz="1200" dirty="0">
+                <a:latin typeface="宋体" panose="02010600030101010101" pitchFamily="2" charset="-122"/>
+                <a:ea typeface="宋体" panose="02010600030101010101" pitchFamily="2" charset="-122"/>
+                <a:cs typeface="宋体" panose="02010600030101010101" pitchFamily="2" charset="-122"/>
+              </a:rPr>
+              <a:t>。</a:t>
+            </a:r>
+            <a:r>
+              <a:rPr lang="en-US" altLang="zh-CN" sz="1200" dirty="0">
+                <a:latin typeface="宋体" panose="02010600030101010101" pitchFamily="2" charset="-122"/>
+                <a:ea typeface="宋体" panose="02010600030101010101" pitchFamily="2" charset="-122"/>
+                <a:cs typeface="宋体" panose="02010600030101010101" pitchFamily="2" charset="-122"/>
+              </a:rPr>
+              <a:t> </a:t>
+            </a:r>
+            <a:r>
+              <a:rPr lang="zh-CN" altLang="en-US" sz="1200" dirty="0">
+                <a:latin typeface="宋体" panose="02010600030101010101" pitchFamily="2" charset="-122"/>
+                <a:ea typeface="宋体" panose="02010600030101010101" pitchFamily="2" charset="-122"/>
+                <a:cs typeface="宋体" panose="02010600030101010101" pitchFamily="2" charset="-122"/>
+              </a:rPr>
+              <a:t>（</a:t>
+            </a:r>
+            <a:r>
+              <a:rPr lang="en-US" altLang="zh-CN" sz="1200" dirty="0">
+                <a:latin typeface="宋体" panose="02010600030101010101" pitchFamily="2" charset="-122"/>
+                <a:ea typeface="宋体" panose="02010600030101010101" pitchFamily="2" charset="-122"/>
+                <a:cs typeface="宋体" panose="02010600030101010101" pitchFamily="2" charset="-122"/>
+              </a:rPr>
+              <a:t>2</a:t>
+            </a:r>
+            <a:r>
+              <a:rPr lang="zh-CN" altLang="en-US" sz="1200" dirty="0">
+                <a:latin typeface="宋体" panose="02010600030101010101" pitchFamily="2" charset="-122"/>
+                <a:ea typeface="宋体" panose="02010600030101010101" pitchFamily="2" charset="-122"/>
+                <a:cs typeface="宋体" panose="02010600030101010101" pitchFamily="2" charset="-122"/>
+              </a:rPr>
+              <a:t>）</a:t>
+            </a:r>
+            <a:r>
+              <a:rPr lang="en-US" altLang="zh-CN" sz="1200" dirty="0">
+                <a:latin typeface="宋体" panose="02010600030101010101" pitchFamily="2" charset="-122"/>
+                <a:ea typeface="宋体" panose="02010600030101010101" pitchFamily="2" charset="-122"/>
+                <a:cs typeface="宋体" panose="02010600030101010101" pitchFamily="2" charset="-122"/>
+              </a:rPr>
+              <a:t> </a:t>
+            </a:r>
+            <a:r>
+              <a:rPr lang="zh-CN" altLang="en-US" sz="1200" dirty="0">
+                <a:latin typeface="宋体" panose="02010600030101010101" pitchFamily="2" charset="-122"/>
+                <a:ea typeface="宋体" panose="02010600030101010101" pitchFamily="2" charset="-122"/>
+                <a:cs typeface="宋体" panose="02010600030101010101" pitchFamily="2" charset="-122"/>
+              </a:rPr>
+              <a:t>现有模式局限：</a:t>
+            </a:r>
+            <a:r>
+              <a:rPr lang="en-US" altLang="zh-CN" sz="1200" dirty="0">
+                <a:latin typeface="宋体" panose="02010600030101010101" pitchFamily="2" charset="-122"/>
+                <a:ea typeface="宋体" panose="02010600030101010101" pitchFamily="2" charset="-122"/>
+                <a:cs typeface="宋体" panose="02010600030101010101" pitchFamily="2" charset="-122"/>
+              </a:rPr>
+              <a:t> </a:t>
+            </a:r>
+            <a:r>
+              <a:rPr lang="zh-CN" altLang="en-US" sz="1200" dirty="0">
+                <a:latin typeface="宋体" panose="02010600030101010101" pitchFamily="2" charset="-122"/>
+                <a:ea typeface="宋体" panose="02010600030101010101" pitchFamily="2" charset="-122"/>
+                <a:cs typeface="宋体" panose="02010600030101010101" pitchFamily="2" charset="-122"/>
+              </a:rPr>
+              <a:t>早期的线下实体店和线上的简单商品罗列</a:t>
+            </a:r>
+            <a:r>
+              <a:rPr lang="en-US" altLang="zh-CN" sz="1200" dirty="0">
+                <a:latin typeface="宋体" panose="02010600030101010101" pitchFamily="2" charset="-122"/>
+                <a:ea typeface="宋体" panose="02010600030101010101" pitchFamily="2" charset="-122"/>
+                <a:cs typeface="宋体" panose="02010600030101010101" pitchFamily="2" charset="-122"/>
+              </a:rPr>
+              <a:t> </a:t>
+            </a:r>
+            <a:r>
+              <a:rPr lang="zh-CN" altLang="en-US" sz="1200" dirty="0">
+                <a:latin typeface="宋体" panose="02010600030101010101" pitchFamily="2" charset="-122"/>
+                <a:ea typeface="宋体" panose="02010600030101010101" pitchFamily="2" charset="-122"/>
+                <a:cs typeface="宋体" panose="02010600030101010101" pitchFamily="2" charset="-122"/>
+              </a:rPr>
+              <a:t>，以及单纯的货架式电商已无法满足当今宠物主的需求</a:t>
+            </a:r>
+            <a:r>
+              <a:rPr lang="en-US" altLang="zh-CN" sz="1200" dirty="0">
+                <a:latin typeface="宋体" panose="02010600030101010101" pitchFamily="2" charset="-122"/>
+                <a:ea typeface="宋体" panose="02010600030101010101" pitchFamily="2" charset="-122"/>
+                <a:cs typeface="宋体" panose="02010600030101010101" pitchFamily="2" charset="-122"/>
+              </a:rPr>
+              <a:t> </a:t>
+            </a:r>
+            <a:r>
+              <a:rPr lang="zh-CN" altLang="en-US" sz="1200" dirty="0">
+                <a:latin typeface="宋体" panose="02010600030101010101" pitchFamily="2" charset="-122"/>
+                <a:ea typeface="宋体" panose="02010600030101010101" pitchFamily="2" charset="-122"/>
+                <a:cs typeface="宋体" panose="02010600030101010101" pitchFamily="2" charset="-122"/>
+              </a:rPr>
+              <a:t>。</a:t>
+            </a:r>
+            <a:r>
+              <a:rPr lang="en-US" altLang="zh-CN" sz="1200" dirty="0">
+                <a:latin typeface="宋体" panose="02010600030101010101" pitchFamily="2" charset="-122"/>
+                <a:ea typeface="宋体" panose="02010600030101010101" pitchFamily="2" charset="-122"/>
+                <a:cs typeface="宋体" panose="02010600030101010101" pitchFamily="2" charset="-122"/>
+              </a:rPr>
+              <a:t> </a:t>
+            </a:r>
+            <a:r>
+              <a:rPr lang="zh-CN" altLang="en-US" sz="1200" dirty="0">
+                <a:latin typeface="宋体" panose="02010600030101010101" pitchFamily="2" charset="-122"/>
+                <a:ea typeface="宋体" panose="02010600030101010101" pitchFamily="2" charset="-122"/>
+                <a:cs typeface="宋体" panose="02010600030101010101" pitchFamily="2" charset="-122"/>
+              </a:rPr>
+              <a:t>（</a:t>
+            </a:r>
+            <a:r>
+              <a:rPr lang="en-US" altLang="zh-CN" sz="1200" dirty="0">
+                <a:latin typeface="宋体" panose="02010600030101010101" pitchFamily="2" charset="-122"/>
+                <a:ea typeface="宋体" panose="02010600030101010101" pitchFamily="2" charset="-122"/>
+                <a:cs typeface="宋体" panose="02010600030101010101" pitchFamily="2" charset="-122"/>
+              </a:rPr>
+              <a:t>3</a:t>
+            </a:r>
+            <a:r>
+              <a:rPr lang="zh-CN" altLang="en-US" sz="1200" dirty="0">
+                <a:latin typeface="宋体" panose="02010600030101010101" pitchFamily="2" charset="-122"/>
+                <a:ea typeface="宋体" panose="02010600030101010101" pitchFamily="2" charset="-122"/>
+                <a:cs typeface="宋体" panose="02010600030101010101" pitchFamily="2" charset="-122"/>
+              </a:rPr>
+              <a:t>）</a:t>
+            </a:r>
+            <a:r>
+              <a:rPr lang="en-US" altLang="zh-CN" sz="1200" dirty="0">
+                <a:latin typeface="宋体" panose="02010600030101010101" pitchFamily="2" charset="-122"/>
+                <a:ea typeface="宋体" panose="02010600030101010101" pitchFamily="2" charset="-122"/>
+                <a:cs typeface="宋体" panose="02010600030101010101" pitchFamily="2" charset="-122"/>
+              </a:rPr>
+              <a:t> </a:t>
+            </a:r>
+            <a:r>
+              <a:rPr lang="zh-CN" altLang="en-US" sz="1200" dirty="0">
+                <a:latin typeface="宋体" panose="02010600030101010101" pitchFamily="2" charset="-122"/>
+                <a:ea typeface="宋体" panose="02010600030101010101" pitchFamily="2" charset="-122"/>
+                <a:cs typeface="宋体" panose="02010600030101010101" pitchFamily="2" charset="-122"/>
+              </a:rPr>
+              <a:t>技术基础成熟：</a:t>
+            </a:r>
+            <a:r>
+              <a:rPr lang="en-US" altLang="zh-CN" sz="1200" dirty="0">
+                <a:latin typeface="宋体" panose="02010600030101010101" pitchFamily="2" charset="-122"/>
+                <a:ea typeface="宋体" panose="02010600030101010101" pitchFamily="2" charset="-122"/>
+                <a:cs typeface="宋体" panose="02010600030101010101" pitchFamily="2" charset="-122"/>
+              </a:rPr>
+              <a:t> </a:t>
+            </a:r>
+            <a:r>
+              <a:rPr lang="zh-CN" altLang="en-US" sz="1200" dirty="0">
+                <a:latin typeface="宋体" panose="02010600030101010101" pitchFamily="2" charset="-122"/>
+                <a:ea typeface="宋体" panose="02010600030101010101" pitchFamily="2" charset="-122"/>
+                <a:cs typeface="宋体" panose="02010600030101010101" pitchFamily="2" charset="-122"/>
+              </a:rPr>
+              <a:t>移动互联网技术的发展，为构建集购物、社交、服务于一体的垂直领域电商平台提供了技术基础</a:t>
+            </a:r>
+            <a:r>
+              <a:rPr lang="en-US" altLang="zh-CN" sz="1200" dirty="0">
+                <a:latin typeface="宋体" panose="02010600030101010101" pitchFamily="2" charset="-122"/>
+                <a:ea typeface="宋体" panose="02010600030101010101" pitchFamily="2" charset="-122"/>
+                <a:cs typeface="宋体" panose="02010600030101010101" pitchFamily="2" charset="-122"/>
+              </a:rPr>
+              <a:t> </a:t>
+            </a:r>
+            <a:r>
+              <a:rPr lang="zh-CN" altLang="en-US" sz="1200" dirty="0">
+                <a:latin typeface="宋体" panose="02010600030101010101" pitchFamily="2" charset="-122"/>
+                <a:ea typeface="宋体" panose="02010600030101010101" pitchFamily="2" charset="-122"/>
+                <a:cs typeface="宋体" panose="02010600030101010101" pitchFamily="2" charset="-122"/>
+              </a:rPr>
+              <a:t>。</a:t>
+            </a:r>
+            <a:r>
+              <a:rPr lang="en-US" altLang="zh-CN" sz="1200" dirty="0">
+                <a:latin typeface="宋体" panose="02010600030101010101" pitchFamily="2" charset="-122"/>
+                <a:ea typeface="宋体" panose="02010600030101010101" pitchFamily="2" charset="-122"/>
+                <a:cs typeface="宋体" panose="02010600030101010101" pitchFamily="2" charset="-122"/>
+              </a:rPr>
+              <a:t> </a:t>
+            </a:r>
+            <a:r>
+              <a:rPr lang="zh-CN" altLang="en-US" sz="1200" dirty="0">
+                <a:latin typeface="宋体" panose="02010600030101010101" pitchFamily="2" charset="-122"/>
+                <a:ea typeface="宋体" panose="02010600030101010101" pitchFamily="2" charset="-122"/>
+                <a:cs typeface="宋体" panose="02010600030101010101" pitchFamily="2" charset="-122"/>
+              </a:rPr>
+              <a:t>（</a:t>
+            </a:r>
+            <a:r>
+              <a:rPr lang="en-US" altLang="zh-CN" sz="1200" dirty="0">
+                <a:latin typeface="宋体" panose="02010600030101010101" pitchFamily="2" charset="-122"/>
+                <a:ea typeface="宋体" panose="02010600030101010101" pitchFamily="2" charset="-122"/>
+                <a:cs typeface="宋体" panose="02010600030101010101" pitchFamily="2" charset="-122"/>
+              </a:rPr>
+              <a:t>4</a:t>
+            </a:r>
+            <a:r>
+              <a:rPr lang="zh-CN" altLang="en-US" sz="1200" dirty="0">
+                <a:latin typeface="宋体" panose="02010600030101010101" pitchFamily="2" charset="-122"/>
+                <a:ea typeface="宋体" panose="02010600030101010101" pitchFamily="2" charset="-122"/>
+                <a:cs typeface="宋体" panose="02010600030101010101" pitchFamily="2" charset="-122"/>
+              </a:rPr>
+              <a:t>）</a:t>
+            </a:r>
+            <a:r>
+              <a:rPr lang="en-US" altLang="zh-CN" sz="1200" dirty="0">
+                <a:latin typeface="宋体" panose="02010600030101010101" pitchFamily="2" charset="-122"/>
+                <a:ea typeface="宋体" panose="02010600030101010101" pitchFamily="2" charset="-122"/>
+                <a:cs typeface="宋体" panose="02010600030101010101" pitchFamily="2" charset="-122"/>
+              </a:rPr>
+              <a:t> </a:t>
+            </a:r>
+            <a:r>
+              <a:rPr lang="zh-CN" altLang="en-US" sz="1200" dirty="0">
+                <a:latin typeface="宋体" panose="02010600030101010101" pitchFamily="2" charset="-122"/>
+                <a:ea typeface="宋体" panose="02010600030101010101" pitchFamily="2" charset="-122"/>
+                <a:cs typeface="宋体" panose="02010600030101010101" pitchFamily="2" charset="-122"/>
+              </a:rPr>
+              <a:t>项目科学价值：</a:t>
+            </a:r>
+            <a:r>
+              <a:rPr lang="en-US" altLang="zh-CN" sz="1200" dirty="0">
+                <a:latin typeface="宋体" panose="02010600030101010101" pitchFamily="2" charset="-122"/>
+                <a:ea typeface="宋体" panose="02010600030101010101" pitchFamily="2" charset="-122"/>
+                <a:cs typeface="宋体" panose="02010600030101010101" pitchFamily="2" charset="-122"/>
+              </a:rPr>
+              <a:t> </a:t>
+            </a:r>
+            <a:r>
+              <a:rPr lang="zh-CN" altLang="en-US" sz="1200" dirty="0">
+                <a:latin typeface="宋体" panose="02010600030101010101" pitchFamily="2" charset="-122"/>
+                <a:ea typeface="宋体" panose="02010600030101010101" pitchFamily="2" charset="-122"/>
+                <a:cs typeface="宋体" panose="02010600030101010101" pitchFamily="2" charset="-122"/>
+              </a:rPr>
+              <a:t>本课题旨在通过建立用户和宠物的专属档案</a:t>
+            </a:r>
+            <a:r>
+              <a:rPr lang="en-US" altLang="zh-CN" sz="1200" dirty="0">
+                <a:latin typeface="宋体" panose="02010600030101010101" pitchFamily="2" charset="-122"/>
+                <a:ea typeface="宋体" panose="02010600030101010101" pitchFamily="2" charset="-122"/>
+                <a:cs typeface="宋体" panose="02010600030101010101" pitchFamily="2" charset="-122"/>
+              </a:rPr>
+              <a:t> </a:t>
+            </a:r>
+            <a:r>
+              <a:rPr lang="zh-CN" altLang="en-US" sz="1200" dirty="0">
+                <a:latin typeface="宋体" panose="02010600030101010101" pitchFamily="2" charset="-122"/>
+                <a:ea typeface="宋体" panose="02010600030101010101" pitchFamily="2" charset="-122"/>
+                <a:cs typeface="宋体" panose="02010600030101010101" pitchFamily="2" charset="-122"/>
+              </a:rPr>
+              <a:t>，实现精准营销和服务</a:t>
+            </a:r>
+            <a:r>
+              <a:rPr lang="en-US" altLang="zh-CN" sz="1200" dirty="0">
+                <a:latin typeface="宋体" panose="02010600030101010101" pitchFamily="2" charset="-122"/>
+                <a:ea typeface="宋体" panose="02010600030101010101" pitchFamily="2" charset="-122"/>
+                <a:cs typeface="宋体" panose="02010600030101010101" pitchFamily="2" charset="-122"/>
+              </a:rPr>
+              <a:t> </a:t>
+            </a:r>
+            <a:r>
+              <a:rPr lang="zh-CN" altLang="en-US" sz="1200" dirty="0">
+                <a:latin typeface="宋体" panose="02010600030101010101" pitchFamily="2" charset="-122"/>
+                <a:ea typeface="宋体" panose="02010600030101010101" pitchFamily="2" charset="-122"/>
+                <a:cs typeface="宋体" panose="02010600030101010101" pitchFamily="2" charset="-122"/>
+              </a:rPr>
+              <a:t>。其价值在于：提升宠物主的个性化购物体验</a:t>
+            </a:r>
+            <a:r>
+              <a:rPr lang="en-US" altLang="zh-CN" sz="1200" dirty="0">
+                <a:latin typeface="宋体" panose="02010600030101010101" pitchFamily="2" charset="-122"/>
+                <a:ea typeface="宋体" panose="02010600030101010101" pitchFamily="2" charset="-122"/>
+                <a:cs typeface="宋体" panose="02010600030101010101" pitchFamily="2" charset="-122"/>
+              </a:rPr>
+              <a:t> </a:t>
+            </a:r>
+            <a:r>
+              <a:rPr lang="zh-CN" altLang="en-US" sz="1200" dirty="0">
+                <a:latin typeface="宋体" panose="02010600030101010101" pitchFamily="2" charset="-122"/>
+                <a:ea typeface="宋体" panose="02010600030101010101" pitchFamily="2" charset="-122"/>
+                <a:cs typeface="宋体" panose="02010600030101010101" pitchFamily="2" charset="-122"/>
+              </a:rPr>
+              <a:t>。优化商家的运营管理效率</a:t>
+            </a:r>
+            <a:r>
+              <a:rPr lang="en-US" altLang="zh-CN" sz="1200" dirty="0">
+                <a:latin typeface="宋体" panose="02010600030101010101" pitchFamily="2" charset="-122"/>
+                <a:ea typeface="宋体" panose="02010600030101010101" pitchFamily="2" charset="-122"/>
+                <a:cs typeface="宋体" panose="02010600030101010101" pitchFamily="2" charset="-122"/>
+              </a:rPr>
+              <a:t> </a:t>
+            </a:r>
+            <a:r>
+              <a:rPr lang="zh-CN" altLang="en-US" sz="1200" dirty="0">
+                <a:latin typeface="宋体" panose="02010600030101010101" pitchFamily="2" charset="-122"/>
+                <a:ea typeface="宋体" panose="02010600030101010101" pitchFamily="2" charset="-122"/>
+                <a:cs typeface="宋体" panose="02010600030101010101" pitchFamily="2" charset="-122"/>
+              </a:rPr>
+              <a:t>。推动宠物零售行业的数字化转型</a:t>
+            </a:r>
+            <a:r>
+              <a:rPr lang="en-US" altLang="zh-CN" sz="1200" dirty="0">
+                <a:latin typeface="宋体" panose="02010600030101010101" pitchFamily="2" charset="-122"/>
+                <a:ea typeface="宋体" panose="02010600030101010101" pitchFamily="2" charset="-122"/>
+                <a:cs typeface="宋体" panose="02010600030101010101" pitchFamily="2" charset="-122"/>
+              </a:rPr>
+              <a:t> </a:t>
+            </a:r>
+            <a:r>
+              <a:rPr lang="zh-CN" altLang="en-US" sz="1200" dirty="0">
+                <a:latin typeface="宋体" panose="02010600030101010101" pitchFamily="2" charset="-122"/>
+                <a:ea typeface="宋体" panose="02010600030101010101" pitchFamily="2" charset="-122"/>
+                <a:cs typeface="宋体" panose="02010600030101010101" pitchFamily="2" charset="-122"/>
+              </a:rPr>
+              <a:t>。为广大宠物主创建一个有价值的线上互动社区，满足其情感与社交需求</a:t>
+            </a:r>
+            <a:r>
+              <a:rPr lang="en-US" altLang="zh-CN" sz="1200" dirty="0">
+                <a:latin typeface="宋体" panose="02010600030101010101" pitchFamily="2" charset="-122"/>
+                <a:ea typeface="宋体" panose="02010600030101010101" pitchFamily="2" charset="-122"/>
+                <a:cs typeface="宋体" panose="02010600030101010101" pitchFamily="2" charset="-122"/>
+              </a:rPr>
+              <a:t> </a:t>
+            </a:r>
+            <a:r>
+              <a:rPr lang="zh-CN" altLang="en-US" sz="1200" dirty="0">
+                <a:latin typeface="宋体" panose="02010600030101010101" pitchFamily="2" charset="-122"/>
+                <a:ea typeface="宋体" panose="02010600030101010101" pitchFamily="2" charset="-122"/>
+                <a:cs typeface="宋体" panose="02010600030101010101" pitchFamily="2" charset="-122"/>
+              </a:rPr>
+              <a:t>。</a:t>
+            </a:r>
+            <a:endParaRPr lang="zh-CN" altLang="en-US" sz="1200" dirty="0">
+              <a:latin typeface="宋体" panose="02010600030101010101" pitchFamily="2" charset="-122"/>
+              <a:ea typeface="宋体" panose="02010600030101010101" pitchFamily="2" charset="-122"/>
+              <a:cs typeface="宋体" panose="02010600030101010101" pitchFamily="2" charset="-122"/>
+            </a:endParaRPr>
+          </a:p>
+        </p:txBody>
+      </p:sp>
       <p:pic>
         <p:nvPicPr>
-          <p:cNvPr id="5" name="Image 2" descr="preencoded.png"/>
-          <p:cNvPicPr>
-            <a:picLocks noChangeAspect="1"/>
-          </p:cNvPicPr>
+          <p:cNvPr id="6" name="图片 5"/>
+          <p:cNvPicPr/>
           <p:nvPr/>
         </p:nvPicPr>
         <p:blipFill>
@@ -8513,537 +9445,6 @@
         </p:blipFill>
         <p:spPr>
           <a:xfrm>
-            <a:off x="218305" y="222075"/>
-            <a:ext cx="346608" cy="346608"/>
-          </a:xfrm>
-          <a:prstGeom prst="rect">
-            <a:avLst/>
-          </a:prstGeom>
-        </p:spPr>
-      </p:pic>
-      <p:sp>
-        <p:nvSpPr>
-          <p:cNvPr id="7" name="Text 1"/>
-          <p:cNvSpPr/>
-          <p:nvPr/>
-        </p:nvSpPr>
-        <p:spPr>
-          <a:xfrm>
-            <a:off x="3736340" y="1199515"/>
-            <a:ext cx="5212080" cy="2786380"/>
-          </a:xfrm>
-          <a:prstGeom prst="rect">
-            <a:avLst/>
-          </a:prstGeom>
-          <a:noFill/>
-        </p:spPr>
-        <p:txBody>
-          <a:bodyPr wrap="square" lIns="95250" tIns="95250" rIns="95250" bIns="95250" rtlCol="0" anchor="t">
-            <a:noAutofit/>
-          </a:bodyPr>
-          <a:lstStyle/>
-          <a:p>
-            <a:pPr algn="l"/>
-            <a:r>
-              <a:rPr lang="zh-CN" altLang="en-US" sz="1200">
-                <a:sym typeface="+mn-ea"/>
-              </a:rPr>
-              <a:t>随着</a:t>
-            </a:r>
-            <a:r>
-              <a:rPr lang="zh-CN" altLang="en-US" sz="1200" dirty="0">
-                <a:latin typeface="宋体" panose="02010600030101010101" pitchFamily="2" charset="-122"/>
-                <a:ea typeface="宋体" panose="02010600030101010101" pitchFamily="2" charset="-122"/>
-                <a:cs typeface="宋体" panose="02010600030101010101" pitchFamily="2" charset="-122"/>
-              </a:rPr>
-              <a:t>行业发展需求：</a:t>
-            </a:r>
-            <a:r>
-              <a:rPr lang="en-US" altLang="zh-CN" sz="1200" dirty="0">
-                <a:latin typeface="宋体" panose="02010600030101010101" pitchFamily="2" charset="-122"/>
-                <a:ea typeface="宋体" panose="02010600030101010101" pitchFamily="2" charset="-122"/>
-                <a:cs typeface="宋体" panose="02010600030101010101" pitchFamily="2" charset="-122"/>
-              </a:rPr>
-              <a:t> </a:t>
-            </a:r>
-            <a:r>
-              <a:rPr lang="zh-CN" altLang="en-US" sz="1200" dirty="0">
-                <a:latin typeface="宋体" panose="02010600030101010101" pitchFamily="2" charset="-122"/>
-                <a:ea typeface="宋体" panose="02010600030101010101" pitchFamily="2" charset="-122"/>
-                <a:cs typeface="宋体" panose="02010600030101010101" pitchFamily="2" charset="-122"/>
-              </a:rPr>
-              <a:t>随着社会经济发展，</a:t>
-            </a:r>
-            <a:r>
-              <a:rPr lang="en-US" altLang="zh-CN" sz="1200" dirty="0">
-                <a:latin typeface="宋体" panose="02010600030101010101" pitchFamily="2" charset="-122"/>
-                <a:ea typeface="宋体" panose="02010600030101010101" pitchFamily="2" charset="-122"/>
-                <a:cs typeface="宋体" panose="02010600030101010101" pitchFamily="2" charset="-122"/>
-              </a:rPr>
-              <a:t>“</a:t>
-            </a:r>
-            <a:r>
-              <a:rPr lang="zh-CN" altLang="en-US" sz="1200" dirty="0">
-                <a:latin typeface="宋体" panose="02010600030101010101" pitchFamily="2" charset="-122"/>
-                <a:ea typeface="宋体" panose="02010600030101010101" pitchFamily="2" charset="-122"/>
-                <a:cs typeface="宋体" panose="02010600030101010101" pitchFamily="2" charset="-122"/>
-              </a:rPr>
-              <a:t>它经济</a:t>
-            </a:r>
-            <a:r>
-              <a:rPr lang="en-US" altLang="zh-CN" sz="1200" dirty="0">
-                <a:latin typeface="宋体" panose="02010600030101010101" pitchFamily="2" charset="-122"/>
-                <a:ea typeface="宋体" panose="02010600030101010101" pitchFamily="2" charset="-122"/>
-                <a:cs typeface="宋体" panose="02010600030101010101" pitchFamily="2" charset="-122"/>
-              </a:rPr>
-              <a:t>”</a:t>
-            </a:r>
-            <a:r>
-              <a:rPr lang="zh-CN" altLang="en-US" sz="1200" dirty="0">
-                <a:latin typeface="宋体" panose="02010600030101010101" pitchFamily="2" charset="-122"/>
-                <a:ea typeface="宋体" panose="02010600030101010101" pitchFamily="2" charset="-122"/>
-                <a:cs typeface="宋体" panose="02010600030101010101" pitchFamily="2" charset="-122"/>
-              </a:rPr>
-              <a:t>（或</a:t>
-            </a:r>
-            <a:r>
-              <a:rPr lang="en-US" altLang="zh-CN" sz="1200" dirty="0">
-                <a:latin typeface="宋体" panose="02010600030101010101" pitchFamily="2" charset="-122"/>
-                <a:ea typeface="宋体" panose="02010600030101010101" pitchFamily="2" charset="-122"/>
-                <a:cs typeface="宋体" panose="02010600030101010101" pitchFamily="2" charset="-122"/>
-              </a:rPr>
-              <a:t>“</a:t>
-            </a:r>
-            <a:r>
-              <a:rPr lang="zh-CN" altLang="en-US" sz="1200" dirty="0">
-                <a:latin typeface="宋体" panose="02010600030101010101" pitchFamily="2" charset="-122"/>
-                <a:ea typeface="宋体" panose="02010600030101010101" pitchFamily="2" charset="-122"/>
-                <a:cs typeface="宋体" panose="02010600030101010101" pitchFamily="2" charset="-122"/>
-              </a:rPr>
-              <a:t>宠物经济</a:t>
-            </a:r>
-            <a:r>
-              <a:rPr lang="en-US" altLang="zh-CN" sz="1200" dirty="0">
-                <a:latin typeface="宋体" panose="02010600030101010101" pitchFamily="2" charset="-122"/>
-                <a:ea typeface="宋体" panose="02010600030101010101" pitchFamily="2" charset="-122"/>
-                <a:cs typeface="宋体" panose="02010600030101010101" pitchFamily="2" charset="-122"/>
-              </a:rPr>
-              <a:t>”</a:t>
-            </a:r>
-            <a:r>
-              <a:rPr lang="zh-CN" altLang="en-US" sz="1200" dirty="0">
-                <a:latin typeface="宋体" panose="02010600030101010101" pitchFamily="2" charset="-122"/>
-                <a:ea typeface="宋体" panose="02010600030101010101" pitchFamily="2" charset="-122"/>
-                <a:cs typeface="宋体" panose="02010600030101010101" pitchFamily="2" charset="-122"/>
-              </a:rPr>
-              <a:t>）悄然兴起</a:t>
-            </a:r>
-            <a:r>
-              <a:rPr lang="en-US" altLang="zh-CN" sz="1200" dirty="0">
-                <a:latin typeface="宋体" panose="02010600030101010101" pitchFamily="2" charset="-122"/>
-                <a:ea typeface="宋体" panose="02010600030101010101" pitchFamily="2" charset="-122"/>
-                <a:cs typeface="宋体" panose="02010600030101010101" pitchFamily="2" charset="-122"/>
-              </a:rPr>
-              <a:t> </a:t>
-            </a:r>
-            <a:r>
-              <a:rPr lang="zh-CN" altLang="en-US" sz="1200" dirty="0">
-                <a:latin typeface="宋体" panose="02010600030101010101" pitchFamily="2" charset="-122"/>
-                <a:ea typeface="宋体" panose="02010600030101010101" pitchFamily="2" charset="-122"/>
-                <a:cs typeface="宋体" panose="02010600030101010101" pitchFamily="2" charset="-122"/>
-              </a:rPr>
-              <a:t>。（</a:t>
-            </a:r>
-            <a:r>
-              <a:rPr lang="en-US" altLang="zh-CN" sz="1200" dirty="0">
-                <a:latin typeface="宋体" panose="02010600030101010101" pitchFamily="2" charset="-122"/>
-                <a:ea typeface="宋体" panose="02010600030101010101" pitchFamily="2" charset="-122"/>
-                <a:cs typeface="宋体" panose="02010600030101010101" pitchFamily="2" charset="-122"/>
-              </a:rPr>
-              <a:t>1</a:t>
-            </a:r>
-            <a:r>
-              <a:rPr lang="zh-CN" altLang="en-US" sz="1200" dirty="0">
-                <a:latin typeface="宋体" panose="02010600030101010101" pitchFamily="2" charset="-122"/>
-                <a:ea typeface="宋体" panose="02010600030101010101" pitchFamily="2" charset="-122"/>
-                <a:cs typeface="宋体" panose="02010600030101010101" pitchFamily="2" charset="-122"/>
-              </a:rPr>
-              <a:t>）养宠人群持续扩大，宠物主们对商品的品质化、个性化需求日益增长</a:t>
-            </a:r>
-            <a:r>
-              <a:rPr lang="en-US" altLang="zh-CN" sz="1200" dirty="0">
-                <a:latin typeface="宋体" panose="02010600030101010101" pitchFamily="2" charset="-122"/>
-                <a:ea typeface="宋体" panose="02010600030101010101" pitchFamily="2" charset="-122"/>
-                <a:cs typeface="宋体" panose="02010600030101010101" pitchFamily="2" charset="-122"/>
-              </a:rPr>
-              <a:t> </a:t>
-            </a:r>
-            <a:r>
-              <a:rPr lang="zh-CN" altLang="en-US" sz="1200" dirty="0">
-                <a:latin typeface="宋体" panose="02010600030101010101" pitchFamily="2" charset="-122"/>
-                <a:ea typeface="宋体" panose="02010600030101010101" pitchFamily="2" charset="-122"/>
-                <a:cs typeface="宋体" panose="02010600030101010101" pitchFamily="2" charset="-122"/>
-              </a:rPr>
-              <a:t>。</a:t>
-            </a:r>
-            <a:r>
-              <a:rPr lang="en-US" altLang="zh-CN" sz="1200" dirty="0">
-                <a:latin typeface="宋体" panose="02010600030101010101" pitchFamily="2" charset="-122"/>
-                <a:ea typeface="宋体" panose="02010600030101010101" pitchFamily="2" charset="-122"/>
-                <a:cs typeface="宋体" panose="02010600030101010101" pitchFamily="2" charset="-122"/>
-              </a:rPr>
-              <a:t> </a:t>
-            </a:r>
-            <a:r>
-              <a:rPr lang="zh-CN" altLang="en-US" sz="1200" dirty="0">
-                <a:latin typeface="宋体" panose="02010600030101010101" pitchFamily="2" charset="-122"/>
-                <a:ea typeface="宋体" panose="02010600030101010101" pitchFamily="2" charset="-122"/>
-                <a:cs typeface="宋体" panose="02010600030101010101" pitchFamily="2" charset="-122"/>
-              </a:rPr>
-              <a:t>（</a:t>
-            </a:r>
-            <a:r>
-              <a:rPr lang="en-US" altLang="zh-CN" sz="1200" dirty="0">
-                <a:latin typeface="宋体" panose="02010600030101010101" pitchFamily="2" charset="-122"/>
-                <a:ea typeface="宋体" panose="02010600030101010101" pitchFamily="2" charset="-122"/>
-                <a:cs typeface="宋体" panose="02010600030101010101" pitchFamily="2" charset="-122"/>
-              </a:rPr>
-              <a:t>2</a:t>
-            </a:r>
-            <a:r>
-              <a:rPr lang="zh-CN" altLang="en-US" sz="1200" dirty="0">
-                <a:latin typeface="宋体" panose="02010600030101010101" pitchFamily="2" charset="-122"/>
-                <a:ea typeface="宋体" panose="02010600030101010101" pitchFamily="2" charset="-122"/>
-                <a:cs typeface="宋体" panose="02010600030101010101" pitchFamily="2" charset="-122"/>
-              </a:rPr>
-              <a:t>）</a:t>
-            </a:r>
-            <a:r>
-              <a:rPr lang="en-US" altLang="zh-CN" sz="1200" dirty="0">
-                <a:latin typeface="宋体" panose="02010600030101010101" pitchFamily="2" charset="-122"/>
-                <a:ea typeface="宋体" panose="02010600030101010101" pitchFamily="2" charset="-122"/>
-                <a:cs typeface="宋体" panose="02010600030101010101" pitchFamily="2" charset="-122"/>
-              </a:rPr>
-              <a:t> </a:t>
-            </a:r>
-            <a:r>
-              <a:rPr lang="zh-CN" altLang="en-US" sz="1200" dirty="0">
-                <a:latin typeface="宋体" panose="02010600030101010101" pitchFamily="2" charset="-122"/>
-                <a:ea typeface="宋体" panose="02010600030101010101" pitchFamily="2" charset="-122"/>
-                <a:cs typeface="宋体" panose="02010600030101010101" pitchFamily="2" charset="-122"/>
-              </a:rPr>
-              <a:t>现有模式局限：</a:t>
-            </a:r>
-            <a:r>
-              <a:rPr lang="en-US" altLang="zh-CN" sz="1200" dirty="0">
-                <a:latin typeface="宋体" panose="02010600030101010101" pitchFamily="2" charset="-122"/>
-                <a:ea typeface="宋体" panose="02010600030101010101" pitchFamily="2" charset="-122"/>
-                <a:cs typeface="宋体" panose="02010600030101010101" pitchFamily="2" charset="-122"/>
-              </a:rPr>
-              <a:t> </a:t>
-            </a:r>
-            <a:r>
-              <a:rPr lang="zh-CN" altLang="en-US" sz="1200" dirty="0">
-                <a:latin typeface="宋体" panose="02010600030101010101" pitchFamily="2" charset="-122"/>
-                <a:ea typeface="宋体" panose="02010600030101010101" pitchFamily="2" charset="-122"/>
-                <a:cs typeface="宋体" panose="02010600030101010101" pitchFamily="2" charset="-122"/>
-              </a:rPr>
-              <a:t>早期的线下实体店和线上的简单商品罗列</a:t>
-            </a:r>
-            <a:r>
-              <a:rPr lang="en-US" altLang="zh-CN" sz="1200" dirty="0">
-                <a:latin typeface="宋体" panose="02010600030101010101" pitchFamily="2" charset="-122"/>
-                <a:ea typeface="宋体" panose="02010600030101010101" pitchFamily="2" charset="-122"/>
-                <a:cs typeface="宋体" panose="02010600030101010101" pitchFamily="2" charset="-122"/>
-              </a:rPr>
-              <a:t> </a:t>
-            </a:r>
-            <a:r>
-              <a:rPr lang="zh-CN" altLang="en-US" sz="1200" dirty="0">
-                <a:latin typeface="宋体" panose="02010600030101010101" pitchFamily="2" charset="-122"/>
-                <a:ea typeface="宋体" panose="02010600030101010101" pitchFamily="2" charset="-122"/>
-                <a:cs typeface="宋体" panose="02010600030101010101" pitchFamily="2" charset="-122"/>
-              </a:rPr>
-              <a:t>，以及单纯的货架式电商已无法满足当今宠物主的需求</a:t>
-            </a:r>
-            <a:r>
-              <a:rPr lang="en-US" altLang="zh-CN" sz="1200" dirty="0">
-                <a:latin typeface="宋体" panose="02010600030101010101" pitchFamily="2" charset="-122"/>
-                <a:ea typeface="宋体" panose="02010600030101010101" pitchFamily="2" charset="-122"/>
-                <a:cs typeface="宋体" panose="02010600030101010101" pitchFamily="2" charset="-122"/>
-              </a:rPr>
-              <a:t> </a:t>
-            </a:r>
-            <a:r>
-              <a:rPr lang="zh-CN" altLang="en-US" sz="1200" dirty="0">
-                <a:latin typeface="宋体" panose="02010600030101010101" pitchFamily="2" charset="-122"/>
-                <a:ea typeface="宋体" panose="02010600030101010101" pitchFamily="2" charset="-122"/>
-                <a:cs typeface="宋体" panose="02010600030101010101" pitchFamily="2" charset="-122"/>
-              </a:rPr>
-              <a:t>。</a:t>
-            </a:r>
-            <a:r>
-              <a:rPr lang="en-US" altLang="zh-CN" sz="1200" dirty="0">
-                <a:latin typeface="宋体" panose="02010600030101010101" pitchFamily="2" charset="-122"/>
-                <a:ea typeface="宋体" panose="02010600030101010101" pitchFamily="2" charset="-122"/>
-                <a:cs typeface="宋体" panose="02010600030101010101" pitchFamily="2" charset="-122"/>
-              </a:rPr>
-              <a:t> </a:t>
-            </a:r>
-            <a:r>
-              <a:rPr lang="zh-CN" altLang="en-US" sz="1200" dirty="0">
-                <a:latin typeface="宋体" panose="02010600030101010101" pitchFamily="2" charset="-122"/>
-                <a:ea typeface="宋体" panose="02010600030101010101" pitchFamily="2" charset="-122"/>
-                <a:cs typeface="宋体" panose="02010600030101010101" pitchFamily="2" charset="-122"/>
-              </a:rPr>
-              <a:t>（</a:t>
-            </a:r>
-            <a:r>
-              <a:rPr lang="en-US" altLang="zh-CN" sz="1200" dirty="0">
-                <a:latin typeface="宋体" panose="02010600030101010101" pitchFamily="2" charset="-122"/>
-                <a:ea typeface="宋体" panose="02010600030101010101" pitchFamily="2" charset="-122"/>
-                <a:cs typeface="宋体" panose="02010600030101010101" pitchFamily="2" charset="-122"/>
-              </a:rPr>
-              <a:t>3</a:t>
-            </a:r>
-            <a:r>
-              <a:rPr lang="zh-CN" altLang="en-US" sz="1200" dirty="0">
-                <a:latin typeface="宋体" panose="02010600030101010101" pitchFamily="2" charset="-122"/>
-                <a:ea typeface="宋体" panose="02010600030101010101" pitchFamily="2" charset="-122"/>
-                <a:cs typeface="宋体" panose="02010600030101010101" pitchFamily="2" charset="-122"/>
-              </a:rPr>
-              <a:t>）</a:t>
-            </a:r>
-            <a:r>
-              <a:rPr lang="en-US" altLang="zh-CN" sz="1200" dirty="0">
-                <a:latin typeface="宋体" panose="02010600030101010101" pitchFamily="2" charset="-122"/>
-                <a:ea typeface="宋体" panose="02010600030101010101" pitchFamily="2" charset="-122"/>
-                <a:cs typeface="宋体" panose="02010600030101010101" pitchFamily="2" charset="-122"/>
-              </a:rPr>
-              <a:t> </a:t>
-            </a:r>
-            <a:r>
-              <a:rPr lang="zh-CN" altLang="en-US" sz="1200" dirty="0">
-                <a:latin typeface="宋体" panose="02010600030101010101" pitchFamily="2" charset="-122"/>
-                <a:ea typeface="宋体" panose="02010600030101010101" pitchFamily="2" charset="-122"/>
-                <a:cs typeface="宋体" panose="02010600030101010101" pitchFamily="2" charset="-122"/>
-              </a:rPr>
-              <a:t>技术基础成熟：</a:t>
-            </a:r>
-            <a:r>
-              <a:rPr lang="en-US" altLang="zh-CN" sz="1200" dirty="0">
-                <a:latin typeface="宋体" panose="02010600030101010101" pitchFamily="2" charset="-122"/>
-                <a:ea typeface="宋体" panose="02010600030101010101" pitchFamily="2" charset="-122"/>
-                <a:cs typeface="宋体" panose="02010600030101010101" pitchFamily="2" charset="-122"/>
-              </a:rPr>
-              <a:t> </a:t>
-            </a:r>
-            <a:r>
-              <a:rPr lang="zh-CN" altLang="en-US" sz="1200" dirty="0">
-                <a:latin typeface="宋体" panose="02010600030101010101" pitchFamily="2" charset="-122"/>
-                <a:ea typeface="宋体" panose="02010600030101010101" pitchFamily="2" charset="-122"/>
-                <a:cs typeface="宋体" panose="02010600030101010101" pitchFamily="2" charset="-122"/>
-              </a:rPr>
-              <a:t>移动互联网技术的发展，为构建集购物、社交、服务于一体的垂直领域电商平台提供了技术基础</a:t>
-            </a:r>
-            <a:r>
-              <a:rPr lang="en-US" altLang="zh-CN" sz="1200" dirty="0">
-                <a:latin typeface="宋体" panose="02010600030101010101" pitchFamily="2" charset="-122"/>
-                <a:ea typeface="宋体" panose="02010600030101010101" pitchFamily="2" charset="-122"/>
-                <a:cs typeface="宋体" panose="02010600030101010101" pitchFamily="2" charset="-122"/>
-              </a:rPr>
-              <a:t> </a:t>
-            </a:r>
-            <a:r>
-              <a:rPr lang="zh-CN" altLang="en-US" sz="1200" dirty="0">
-                <a:latin typeface="宋体" panose="02010600030101010101" pitchFamily="2" charset="-122"/>
-                <a:ea typeface="宋体" panose="02010600030101010101" pitchFamily="2" charset="-122"/>
-                <a:cs typeface="宋体" panose="02010600030101010101" pitchFamily="2" charset="-122"/>
-              </a:rPr>
-              <a:t>。</a:t>
-            </a:r>
-            <a:r>
-              <a:rPr lang="en-US" altLang="zh-CN" sz="1200" dirty="0">
-                <a:latin typeface="宋体" panose="02010600030101010101" pitchFamily="2" charset="-122"/>
-                <a:ea typeface="宋体" panose="02010600030101010101" pitchFamily="2" charset="-122"/>
-                <a:cs typeface="宋体" panose="02010600030101010101" pitchFamily="2" charset="-122"/>
-              </a:rPr>
-              <a:t> </a:t>
-            </a:r>
-            <a:r>
-              <a:rPr lang="zh-CN" altLang="en-US" sz="1200" dirty="0">
-                <a:latin typeface="宋体" panose="02010600030101010101" pitchFamily="2" charset="-122"/>
-                <a:ea typeface="宋体" panose="02010600030101010101" pitchFamily="2" charset="-122"/>
-                <a:cs typeface="宋体" panose="02010600030101010101" pitchFamily="2" charset="-122"/>
-              </a:rPr>
-              <a:t>（</a:t>
-            </a:r>
-            <a:r>
-              <a:rPr lang="en-US" altLang="zh-CN" sz="1200" dirty="0">
-                <a:latin typeface="宋体" panose="02010600030101010101" pitchFamily="2" charset="-122"/>
-                <a:ea typeface="宋体" panose="02010600030101010101" pitchFamily="2" charset="-122"/>
-                <a:cs typeface="宋体" panose="02010600030101010101" pitchFamily="2" charset="-122"/>
-              </a:rPr>
-              <a:t>4</a:t>
-            </a:r>
-            <a:r>
-              <a:rPr lang="zh-CN" altLang="en-US" sz="1200" dirty="0">
-                <a:latin typeface="宋体" panose="02010600030101010101" pitchFamily="2" charset="-122"/>
-                <a:ea typeface="宋体" panose="02010600030101010101" pitchFamily="2" charset="-122"/>
-                <a:cs typeface="宋体" panose="02010600030101010101" pitchFamily="2" charset="-122"/>
-              </a:rPr>
-              <a:t>）</a:t>
-            </a:r>
-            <a:r>
-              <a:rPr lang="en-US" altLang="zh-CN" sz="1200" dirty="0">
-                <a:latin typeface="宋体" panose="02010600030101010101" pitchFamily="2" charset="-122"/>
-                <a:ea typeface="宋体" panose="02010600030101010101" pitchFamily="2" charset="-122"/>
-                <a:cs typeface="宋体" panose="02010600030101010101" pitchFamily="2" charset="-122"/>
-              </a:rPr>
-              <a:t> </a:t>
-            </a:r>
-            <a:r>
-              <a:rPr lang="zh-CN" altLang="en-US" sz="1200" dirty="0">
-                <a:latin typeface="宋体" panose="02010600030101010101" pitchFamily="2" charset="-122"/>
-                <a:ea typeface="宋体" panose="02010600030101010101" pitchFamily="2" charset="-122"/>
-                <a:cs typeface="宋体" panose="02010600030101010101" pitchFamily="2" charset="-122"/>
-              </a:rPr>
-              <a:t>项目科学价值：</a:t>
-            </a:r>
-            <a:r>
-              <a:rPr lang="en-US" altLang="zh-CN" sz="1200" dirty="0">
-                <a:latin typeface="宋体" panose="02010600030101010101" pitchFamily="2" charset="-122"/>
-                <a:ea typeface="宋体" panose="02010600030101010101" pitchFamily="2" charset="-122"/>
-                <a:cs typeface="宋体" panose="02010600030101010101" pitchFamily="2" charset="-122"/>
-              </a:rPr>
-              <a:t> </a:t>
-            </a:r>
-            <a:r>
-              <a:rPr lang="zh-CN" altLang="en-US" sz="1200" dirty="0">
-                <a:latin typeface="宋体" panose="02010600030101010101" pitchFamily="2" charset="-122"/>
-                <a:ea typeface="宋体" panose="02010600030101010101" pitchFamily="2" charset="-122"/>
-                <a:cs typeface="宋体" panose="02010600030101010101" pitchFamily="2" charset="-122"/>
-              </a:rPr>
-              <a:t>本课题旨在通过建立用户和宠物的专属档案</a:t>
-            </a:r>
-            <a:r>
-              <a:rPr lang="en-US" altLang="zh-CN" sz="1200" dirty="0">
-                <a:latin typeface="宋体" panose="02010600030101010101" pitchFamily="2" charset="-122"/>
-                <a:ea typeface="宋体" panose="02010600030101010101" pitchFamily="2" charset="-122"/>
-                <a:cs typeface="宋体" panose="02010600030101010101" pitchFamily="2" charset="-122"/>
-              </a:rPr>
-              <a:t> </a:t>
-            </a:r>
-            <a:r>
-              <a:rPr lang="zh-CN" altLang="en-US" sz="1200" dirty="0">
-                <a:latin typeface="宋体" panose="02010600030101010101" pitchFamily="2" charset="-122"/>
-                <a:ea typeface="宋体" panose="02010600030101010101" pitchFamily="2" charset="-122"/>
-                <a:cs typeface="宋体" panose="02010600030101010101" pitchFamily="2" charset="-122"/>
-              </a:rPr>
-              <a:t>，实现精准营销和服务</a:t>
-            </a:r>
-            <a:r>
-              <a:rPr lang="en-US" altLang="zh-CN" sz="1200" dirty="0">
-                <a:latin typeface="宋体" panose="02010600030101010101" pitchFamily="2" charset="-122"/>
-                <a:ea typeface="宋体" panose="02010600030101010101" pitchFamily="2" charset="-122"/>
-                <a:cs typeface="宋体" panose="02010600030101010101" pitchFamily="2" charset="-122"/>
-              </a:rPr>
-              <a:t> </a:t>
-            </a:r>
-            <a:r>
-              <a:rPr lang="zh-CN" altLang="en-US" sz="1200" dirty="0">
-                <a:latin typeface="宋体" panose="02010600030101010101" pitchFamily="2" charset="-122"/>
-                <a:ea typeface="宋体" panose="02010600030101010101" pitchFamily="2" charset="-122"/>
-                <a:cs typeface="宋体" panose="02010600030101010101" pitchFamily="2" charset="-122"/>
-              </a:rPr>
-              <a:t>。其价值在于：提升宠物主的个性化购物体验</a:t>
-            </a:r>
-            <a:r>
-              <a:rPr lang="en-US" altLang="zh-CN" sz="1200" dirty="0">
-                <a:latin typeface="宋体" panose="02010600030101010101" pitchFamily="2" charset="-122"/>
-                <a:ea typeface="宋体" panose="02010600030101010101" pitchFamily="2" charset="-122"/>
-                <a:cs typeface="宋体" panose="02010600030101010101" pitchFamily="2" charset="-122"/>
-              </a:rPr>
-              <a:t> </a:t>
-            </a:r>
-            <a:r>
-              <a:rPr lang="zh-CN" altLang="en-US" sz="1200" dirty="0">
-                <a:latin typeface="宋体" panose="02010600030101010101" pitchFamily="2" charset="-122"/>
-                <a:ea typeface="宋体" panose="02010600030101010101" pitchFamily="2" charset="-122"/>
-                <a:cs typeface="宋体" panose="02010600030101010101" pitchFamily="2" charset="-122"/>
-              </a:rPr>
-              <a:t>。优化商家的运营管理效率</a:t>
-            </a:r>
-            <a:r>
-              <a:rPr lang="en-US" altLang="zh-CN" sz="1200" dirty="0">
-                <a:latin typeface="宋体" panose="02010600030101010101" pitchFamily="2" charset="-122"/>
-                <a:ea typeface="宋体" panose="02010600030101010101" pitchFamily="2" charset="-122"/>
-                <a:cs typeface="宋体" panose="02010600030101010101" pitchFamily="2" charset="-122"/>
-              </a:rPr>
-              <a:t> </a:t>
-            </a:r>
-            <a:r>
-              <a:rPr lang="zh-CN" altLang="en-US" sz="1200" dirty="0">
-                <a:latin typeface="宋体" panose="02010600030101010101" pitchFamily="2" charset="-122"/>
-                <a:ea typeface="宋体" panose="02010600030101010101" pitchFamily="2" charset="-122"/>
-                <a:cs typeface="宋体" panose="02010600030101010101" pitchFamily="2" charset="-122"/>
-              </a:rPr>
-              <a:t>。推动宠物零售行业的数字化转型</a:t>
-            </a:r>
-            <a:r>
-              <a:rPr lang="en-US" altLang="zh-CN" sz="1200" dirty="0">
-                <a:latin typeface="宋体" panose="02010600030101010101" pitchFamily="2" charset="-122"/>
-                <a:ea typeface="宋体" panose="02010600030101010101" pitchFamily="2" charset="-122"/>
-                <a:cs typeface="宋体" panose="02010600030101010101" pitchFamily="2" charset="-122"/>
-              </a:rPr>
-              <a:t> </a:t>
-            </a:r>
-            <a:r>
-              <a:rPr lang="zh-CN" altLang="en-US" sz="1200" dirty="0">
-                <a:latin typeface="宋体" panose="02010600030101010101" pitchFamily="2" charset="-122"/>
-                <a:ea typeface="宋体" panose="02010600030101010101" pitchFamily="2" charset="-122"/>
-                <a:cs typeface="宋体" panose="02010600030101010101" pitchFamily="2" charset="-122"/>
-              </a:rPr>
-              <a:t>。为广大宠物主创建一个有价值的线上互动社区，满足其情感与社交需求</a:t>
-            </a:r>
-            <a:r>
-              <a:rPr lang="en-US" altLang="zh-CN" sz="1200" dirty="0">
-                <a:latin typeface="宋体" panose="02010600030101010101" pitchFamily="2" charset="-122"/>
-                <a:ea typeface="宋体" panose="02010600030101010101" pitchFamily="2" charset="-122"/>
-                <a:cs typeface="宋体" panose="02010600030101010101" pitchFamily="2" charset="-122"/>
-              </a:rPr>
-              <a:t> </a:t>
-            </a:r>
-            <a:r>
-              <a:rPr lang="zh-CN" altLang="en-US" sz="1200" dirty="0">
-                <a:latin typeface="宋体" panose="02010600030101010101" pitchFamily="2" charset="-122"/>
-                <a:ea typeface="宋体" panose="02010600030101010101" pitchFamily="2" charset="-122"/>
-                <a:cs typeface="宋体" panose="02010600030101010101" pitchFamily="2" charset="-122"/>
-              </a:rPr>
-              <a:t>。</a:t>
-            </a:r>
-            <a:endParaRPr lang="zh-CN" altLang="en-US" sz="1200" dirty="0">
-              <a:latin typeface="宋体" panose="02010600030101010101" pitchFamily="2" charset="-122"/>
-              <a:ea typeface="宋体" panose="02010600030101010101" pitchFamily="2" charset="-122"/>
-              <a:cs typeface="宋体" panose="02010600030101010101" pitchFamily="2" charset="-122"/>
-            </a:endParaRPr>
-          </a:p>
-        </p:txBody>
-      </p:sp>
-      <p:pic>
-        <p:nvPicPr>
-          <p:cNvPr id="6" name="图片 5"/>
-          <p:cNvPicPr/>
-          <p:nvPr/>
-        </p:nvPicPr>
-        <p:blipFill>
-          <a:blip r:embed="rId4"/>
-          <a:stretch>
-            <a:fillRect/>
-          </a:stretch>
-        </p:blipFill>
-        <p:spPr>
-          <a:xfrm>
             <a:off x="139065" y="1120140"/>
             <a:ext cx="3230245" cy="3352800"/>
           </a:xfrm>
@@ -9065,15 +9466,25 @@
   <p:cSld>
     <p:bg>
       <p:bgPr>
-        <a:blipFill dpi="0" rotWithShape="1">
-          <a:blip r:embed="rId1">
-            <a:lum/>
-          </a:blip>
-          <a:srcRect/>
-          <a:stretch>
-            <a:fillRect/>
-          </a:stretch>
-        </a:blipFill>
+        <a:gradFill rotWithShape="1">
+          <a:gsLst>
+            <a:gs pos="50000">
+              <a:schemeClr val="accent2"/>
+            </a:gs>
+            <a:gs pos="0">
+              <a:schemeClr val="accent2">
+                <a:lumMod val="25000"/>
+                <a:lumOff val="75000"/>
+              </a:schemeClr>
+            </a:gs>
+            <a:gs pos="100000">
+              <a:schemeClr val="accent2">
+                <a:lumMod val="85000"/>
+              </a:schemeClr>
+            </a:gs>
+          </a:gsLst>
+          <a:lin ang="5400000" scaled="1"/>
+        </a:gradFill>
         <a:effectLst/>
       </p:bgPr>
     </p:bg>
@@ -9100,7 +9511,7 @@
           <p:nvPr/>
         </p:nvPicPr>
         <p:blipFill>
-          <a:blip r:embed="rId2"/>
+          <a:blip r:embed="rId1"/>
           <a:stretch>
             <a:fillRect/>
           </a:stretch>
@@ -9220,15 +9631,25 @@
   <p:cSld>
     <p:bg>
       <p:bgPr>
-        <a:blipFill dpi="0" rotWithShape="1">
-          <a:blip r:embed="rId1">
-            <a:lum/>
-          </a:blip>
-          <a:srcRect/>
-          <a:stretch>
-            <a:fillRect/>
-          </a:stretch>
-        </a:blipFill>
+        <a:gradFill rotWithShape="1">
+          <a:gsLst>
+            <a:gs pos="50000">
+              <a:schemeClr val="accent2"/>
+            </a:gs>
+            <a:gs pos="0">
+              <a:schemeClr val="accent2">
+                <a:lumMod val="25000"/>
+                <a:lumOff val="75000"/>
+              </a:schemeClr>
+            </a:gs>
+            <a:gs pos="100000">
+              <a:schemeClr val="accent2">
+                <a:lumMod val="85000"/>
+              </a:schemeClr>
+            </a:gs>
+          </a:gsLst>
+          <a:lin ang="5400000" scaled="1"/>
+        </a:gradFill>
         <a:effectLst/>
       </p:bgPr>
     </p:bg>
@@ -9301,7 +9722,7 @@
           <p:nvPr/>
         </p:nvPicPr>
         <p:blipFill>
-          <a:blip r:embed="rId2"/>
+          <a:blip r:embed="rId1"/>
           <a:stretch>
             <a:fillRect/>
           </a:stretch>
@@ -9319,6 +9740,30 @@
       <p:pic>
         <p:nvPicPr>
           <p:cNvPr id="4" name="Image 1" descr="preencoded.png"/>
+          <p:cNvPicPr>
+            <a:picLocks noChangeAspect="1"/>
+          </p:cNvPicPr>
+          <p:nvPr/>
+        </p:nvPicPr>
+        <p:blipFill>
+          <a:blip r:embed="rId1"/>
+          <a:stretch>
+            <a:fillRect/>
+          </a:stretch>
+        </p:blipFill>
+        <p:spPr>
+          <a:xfrm>
+            <a:off x="409897" y="222075"/>
+            <a:ext cx="346608" cy="346608"/>
+          </a:xfrm>
+          <a:prstGeom prst="rect">
+            <a:avLst/>
+          </a:prstGeom>
+        </p:spPr>
+      </p:pic>
+      <p:pic>
+        <p:nvPicPr>
+          <p:cNvPr id="5" name="Image 2" descr="preencoded.png"/>
           <p:cNvPicPr>
             <a:picLocks noChangeAspect="1"/>
           </p:cNvPicPr>
@@ -9332,30 +9777,6 @@
         </p:blipFill>
         <p:spPr>
           <a:xfrm>
-            <a:off x="409897" y="222075"/>
-            <a:ext cx="346608" cy="346608"/>
-          </a:xfrm>
-          <a:prstGeom prst="rect">
-            <a:avLst/>
-          </a:prstGeom>
-        </p:spPr>
-      </p:pic>
-      <p:pic>
-        <p:nvPicPr>
-          <p:cNvPr id="5" name="Image 2" descr="preencoded.png"/>
-          <p:cNvPicPr>
-            <a:picLocks noChangeAspect="1"/>
-          </p:cNvPicPr>
-          <p:nvPr/>
-        </p:nvPicPr>
-        <p:blipFill>
-          <a:blip r:embed="rId3"/>
-          <a:stretch>
-            <a:fillRect/>
-          </a:stretch>
-        </p:blipFill>
-        <p:spPr>
-          <a:xfrm>
             <a:off x="218305" y="222075"/>
             <a:ext cx="346608" cy="346608"/>
           </a:xfrm>
@@ -9372,12 +9793,12 @@
           </p:cNvPicPr>
           <p:nvPr>
             <p:custDataLst>
-              <p:tags r:id="rId4"/>
+              <p:tags r:id="rId3"/>
             </p:custDataLst>
           </p:nvPr>
         </p:nvPicPr>
         <p:blipFill>
-          <a:blip r:embed="rId5">
+          <a:blip r:embed="rId4">
             <a:alphaModFix amt="10000"/>
           </a:blip>
           <a:stretch>
@@ -9402,12 +9823,12 @@
           </p:cNvPicPr>
           <p:nvPr>
             <p:custDataLst>
-              <p:tags r:id="rId6"/>
+              <p:tags r:id="rId5"/>
             </p:custDataLst>
           </p:nvPr>
         </p:nvPicPr>
         <p:blipFill>
-          <a:blip r:embed="rId7">
+          <a:blip r:embed="rId6">
             <a:alphaModFix amt="10000"/>
           </a:blip>
           <a:stretch>
@@ -9432,12 +9853,12 @@
           </p:cNvPicPr>
           <p:nvPr>
             <p:custDataLst>
-              <p:tags r:id="rId8"/>
+              <p:tags r:id="rId7"/>
             </p:custDataLst>
           </p:nvPr>
         </p:nvPicPr>
         <p:blipFill>
-          <a:blip r:embed="rId9"/>
+          <a:blip r:embed="rId8"/>
           <a:stretch>
             <a:fillRect/>
           </a:stretch>
@@ -9458,7 +9879,7 @@
           <p:cNvSpPr/>
           <p:nvPr>
             <p:custDataLst>
-              <p:tags r:id="rId10"/>
+              <p:tags r:id="rId9"/>
             </p:custDataLst>
           </p:nvPr>
         </p:nvSpPr>
@@ -9503,12 +9924,12 @@
           </p:cNvPicPr>
           <p:nvPr>
             <p:custDataLst>
-              <p:tags r:id="rId11"/>
+              <p:tags r:id="rId10"/>
             </p:custDataLst>
           </p:nvPr>
         </p:nvPicPr>
         <p:blipFill>
-          <a:blip r:embed="rId5">
+          <a:blip r:embed="rId4">
             <a:alphaModFix amt="10000"/>
           </a:blip>
           <a:stretch>
@@ -9533,12 +9954,12 @@
           </p:cNvPicPr>
           <p:nvPr>
             <p:custDataLst>
-              <p:tags r:id="rId12"/>
+              <p:tags r:id="rId11"/>
             </p:custDataLst>
           </p:nvPr>
         </p:nvPicPr>
         <p:blipFill>
-          <a:blip r:embed="rId13">
+          <a:blip r:embed="rId12">
             <a:alphaModFix amt="10000"/>
           </a:blip>
           <a:stretch>
@@ -9561,7 +9982,7 @@
           <p:cNvSpPr/>
           <p:nvPr>
             <p:custDataLst>
-              <p:tags r:id="rId14"/>
+              <p:tags r:id="rId13"/>
             </p:custDataLst>
           </p:nvPr>
         </p:nvSpPr>
@@ -9825,7 +10246,7 @@
           <p:cNvSpPr/>
           <p:nvPr>
             <p:custDataLst>
-              <p:tags r:id="rId15"/>
+              <p:tags r:id="rId14"/>
             </p:custDataLst>
           </p:nvPr>
         </p:nvSpPr>
@@ -9962,7 +10383,7 @@
           <p:cNvSpPr/>
           <p:nvPr>
             <p:custDataLst>
-              <p:tags r:id="rId16"/>
+              <p:tags r:id="rId15"/>
             </p:custDataLst>
           </p:nvPr>
         </p:nvSpPr>
@@ -10099,7 +10520,7 @@
           <p:cNvSpPr/>
           <p:nvPr>
             <p:custDataLst>
-              <p:tags r:id="rId17"/>
+              <p:tags r:id="rId16"/>
             </p:custDataLst>
           </p:nvPr>
         </p:nvSpPr>
@@ -10151,12 +10572,12 @@
           </p:cNvPicPr>
           <p:nvPr>
             <p:custDataLst>
-              <p:tags r:id="rId18"/>
+              <p:tags r:id="rId17"/>
             </p:custDataLst>
           </p:nvPr>
         </p:nvPicPr>
         <p:blipFill>
-          <a:blip r:embed="rId9"/>
+          <a:blip r:embed="rId8"/>
           <a:stretch>
             <a:fillRect/>
           </a:stretch>
@@ -10177,7 +10598,7 @@
           <p:cNvSpPr/>
           <p:nvPr>
             <p:custDataLst>
-              <p:tags r:id="rId19"/>
+              <p:tags r:id="rId18"/>
             </p:custDataLst>
           </p:nvPr>
         </p:nvSpPr>
@@ -10229,12 +10650,12 @@
           </p:cNvPicPr>
           <p:nvPr>
             <p:custDataLst>
-              <p:tags r:id="rId20"/>
+              <p:tags r:id="rId19"/>
             </p:custDataLst>
           </p:nvPr>
         </p:nvPicPr>
         <p:blipFill>
-          <a:blip r:embed="rId9"/>
+          <a:blip r:embed="rId8"/>
           <a:stretch>
             <a:fillRect/>
           </a:stretch>
@@ -10255,7 +10676,7 @@
           <p:cNvSpPr/>
           <p:nvPr>
             <p:custDataLst>
-              <p:tags r:id="rId21"/>
+              <p:tags r:id="rId20"/>
             </p:custDataLst>
           </p:nvPr>
         </p:nvSpPr>
@@ -10305,7 +10726,7 @@
           <p:cNvSpPr/>
           <p:nvPr>
             <p:custDataLst>
-              <p:tags r:id="rId22"/>
+              <p:tags r:id="rId21"/>
             </p:custDataLst>
           </p:nvPr>
         </p:nvSpPr>
@@ -10348,7 +10769,7 @@
           <p:cNvSpPr/>
           <p:nvPr>
             <p:custDataLst>
-              <p:tags r:id="rId23"/>
+              <p:tags r:id="rId22"/>
             </p:custDataLst>
           </p:nvPr>
         </p:nvSpPr>
@@ -10393,12 +10814,12 @@
           </p:cNvPicPr>
           <p:nvPr>
             <p:custDataLst>
-              <p:tags r:id="rId24"/>
+              <p:tags r:id="rId23"/>
             </p:custDataLst>
           </p:nvPr>
         </p:nvPicPr>
         <p:blipFill>
-          <a:blip r:embed="rId7">
+          <a:blip r:embed="rId6">
             <a:alphaModFix amt="10000"/>
           </a:blip>
           <a:stretch>
@@ -10423,12 +10844,12 @@
           </p:cNvPicPr>
           <p:nvPr>
             <p:custDataLst>
-              <p:tags r:id="rId25"/>
+              <p:tags r:id="rId24"/>
             </p:custDataLst>
           </p:nvPr>
         </p:nvPicPr>
         <p:blipFill>
-          <a:blip r:embed="rId7">
+          <a:blip r:embed="rId6">
             <a:alphaModFix amt="10000"/>
           </a:blip>
           <a:stretch>
@@ -10458,15 +10879,25 @@
   <p:cSld>
     <p:bg>
       <p:bgPr>
-        <a:blipFill dpi="0" rotWithShape="1">
-          <a:blip r:embed="rId1">
-            <a:lum/>
-          </a:blip>
-          <a:srcRect/>
-          <a:stretch>
-            <a:fillRect/>
-          </a:stretch>
-        </a:blipFill>
+        <a:gradFill rotWithShape="1">
+          <a:gsLst>
+            <a:gs pos="50000">
+              <a:schemeClr val="accent2"/>
+            </a:gs>
+            <a:gs pos="0">
+              <a:schemeClr val="accent2">
+                <a:lumMod val="25000"/>
+                <a:lumOff val="75000"/>
+              </a:schemeClr>
+            </a:gs>
+            <a:gs pos="100000">
+              <a:schemeClr val="accent2">
+                <a:lumMod val="85000"/>
+              </a:schemeClr>
+            </a:gs>
+          </a:gsLst>
+          <a:lin ang="5400000" scaled="1"/>
+        </a:gradFill>
         <a:effectLst/>
       </p:bgPr>
     </p:bg>
@@ -10539,7 +10970,7 @@
           <p:nvPr/>
         </p:nvPicPr>
         <p:blipFill>
-          <a:blip r:embed="rId2"/>
+          <a:blip r:embed="rId1"/>
           <a:stretch>
             <a:fillRect/>
           </a:stretch>
@@ -10557,6 +10988,30 @@
       <p:pic>
         <p:nvPicPr>
           <p:cNvPr id="4" name="Image 1" descr="preencoded.png"/>
+          <p:cNvPicPr>
+            <a:picLocks noChangeAspect="1"/>
+          </p:cNvPicPr>
+          <p:nvPr/>
+        </p:nvPicPr>
+        <p:blipFill>
+          <a:blip r:embed="rId1"/>
+          <a:stretch>
+            <a:fillRect/>
+          </a:stretch>
+        </p:blipFill>
+        <p:spPr>
+          <a:xfrm>
+            <a:off x="409897" y="222075"/>
+            <a:ext cx="346608" cy="346608"/>
+          </a:xfrm>
+          <a:prstGeom prst="rect">
+            <a:avLst/>
+          </a:prstGeom>
+        </p:spPr>
+      </p:pic>
+      <p:pic>
+        <p:nvPicPr>
+          <p:cNvPr id="5" name="Image 2" descr="preencoded.png"/>
           <p:cNvPicPr>
             <a:picLocks noChangeAspect="1"/>
           </p:cNvPicPr>
@@ -10570,30 +11025,6 @@
         </p:blipFill>
         <p:spPr>
           <a:xfrm>
-            <a:off x="409897" y="222075"/>
-            <a:ext cx="346608" cy="346608"/>
-          </a:xfrm>
-          <a:prstGeom prst="rect">
-            <a:avLst/>
-          </a:prstGeom>
-        </p:spPr>
-      </p:pic>
-      <p:pic>
-        <p:nvPicPr>
-          <p:cNvPr id="5" name="Image 2" descr="preencoded.png"/>
-          <p:cNvPicPr>
-            <a:picLocks noChangeAspect="1"/>
-          </p:cNvPicPr>
-          <p:nvPr/>
-        </p:nvPicPr>
-        <p:blipFill>
-          <a:blip r:embed="rId3"/>
-          <a:stretch>
-            <a:fillRect/>
-          </a:stretch>
-        </p:blipFill>
-        <p:spPr>
-          <a:xfrm>
             <a:off x="218305" y="222075"/>
             <a:ext cx="346608" cy="346608"/>
           </a:xfrm>
@@ -10610,12 +11041,12 @@
           </p:cNvPicPr>
           <p:nvPr>
             <p:custDataLst>
-              <p:tags r:id="rId4"/>
+              <p:tags r:id="rId3"/>
             </p:custDataLst>
           </p:nvPr>
         </p:nvPicPr>
         <p:blipFill>
-          <a:blip r:embed="rId5">
+          <a:blip r:embed="rId4">
             <a:alphaModFix amt="10000"/>
           </a:blip>
           <a:stretch>
@@ -10640,12 +11071,12 @@
           </p:cNvPicPr>
           <p:nvPr>
             <p:custDataLst>
-              <p:tags r:id="rId6"/>
+              <p:tags r:id="rId5"/>
             </p:custDataLst>
           </p:nvPr>
         </p:nvPicPr>
         <p:blipFill>
-          <a:blip r:embed="rId7">
+          <a:blip r:embed="rId6">
             <a:alphaModFix amt="10000"/>
           </a:blip>
           <a:stretch>
@@ -10670,12 +11101,12 @@
           </p:cNvPicPr>
           <p:nvPr>
             <p:custDataLst>
-              <p:tags r:id="rId8"/>
+              <p:tags r:id="rId7"/>
             </p:custDataLst>
           </p:nvPr>
         </p:nvPicPr>
         <p:blipFill>
-          <a:blip r:embed="rId9"/>
+          <a:blip r:embed="rId8"/>
           <a:stretch>
             <a:fillRect/>
           </a:stretch>
@@ -10696,7 +11127,7 @@
           <p:cNvSpPr/>
           <p:nvPr>
             <p:custDataLst>
-              <p:tags r:id="rId10"/>
+              <p:tags r:id="rId9"/>
             </p:custDataLst>
           </p:nvPr>
         </p:nvSpPr>
@@ -10741,12 +11172,12 @@
           </p:cNvPicPr>
           <p:nvPr>
             <p:custDataLst>
-              <p:tags r:id="rId11"/>
+              <p:tags r:id="rId10"/>
             </p:custDataLst>
           </p:nvPr>
         </p:nvPicPr>
         <p:blipFill>
-          <a:blip r:embed="rId5">
+          <a:blip r:embed="rId4">
             <a:alphaModFix amt="10000"/>
           </a:blip>
           <a:stretch>
@@ -10771,12 +11202,12 @@
           </p:cNvPicPr>
           <p:nvPr>
             <p:custDataLst>
-              <p:tags r:id="rId12"/>
+              <p:tags r:id="rId11"/>
             </p:custDataLst>
           </p:nvPr>
         </p:nvPicPr>
         <p:blipFill>
-          <a:blip r:embed="rId13">
+          <a:blip r:embed="rId12">
             <a:alphaModFix amt="10000"/>
           </a:blip>
           <a:stretch>
@@ -10799,7 +11230,7 @@
           <p:cNvSpPr/>
           <p:nvPr>
             <p:custDataLst>
-              <p:tags r:id="rId14"/>
+              <p:tags r:id="rId13"/>
             </p:custDataLst>
           </p:nvPr>
         </p:nvSpPr>
@@ -10967,7 +11398,7 @@
           <p:cNvSpPr/>
           <p:nvPr>
             <p:custDataLst>
-              <p:tags r:id="rId15"/>
+              <p:tags r:id="rId14"/>
             </p:custDataLst>
           </p:nvPr>
         </p:nvSpPr>
@@ -11081,7 +11512,7 @@
           <p:cNvSpPr/>
           <p:nvPr>
             <p:custDataLst>
-              <p:tags r:id="rId16"/>
+              <p:tags r:id="rId15"/>
             </p:custDataLst>
           </p:nvPr>
         </p:nvSpPr>
@@ -11407,7 +11838,7 @@
           <p:cNvSpPr/>
           <p:nvPr>
             <p:custDataLst>
-              <p:tags r:id="rId17"/>
+              <p:tags r:id="rId16"/>
             </p:custDataLst>
           </p:nvPr>
         </p:nvSpPr>
@@ -11459,12 +11890,12 @@
           </p:cNvPicPr>
           <p:nvPr>
             <p:custDataLst>
-              <p:tags r:id="rId18"/>
+              <p:tags r:id="rId17"/>
             </p:custDataLst>
           </p:nvPr>
         </p:nvPicPr>
         <p:blipFill>
-          <a:blip r:embed="rId9"/>
+          <a:blip r:embed="rId8"/>
           <a:stretch>
             <a:fillRect/>
           </a:stretch>
@@ -11485,7 +11916,7 @@
           <p:cNvSpPr/>
           <p:nvPr>
             <p:custDataLst>
-              <p:tags r:id="rId19"/>
+              <p:tags r:id="rId18"/>
             </p:custDataLst>
           </p:nvPr>
         </p:nvSpPr>
@@ -11537,12 +11968,12 @@
           </p:cNvPicPr>
           <p:nvPr>
             <p:custDataLst>
-              <p:tags r:id="rId20"/>
+              <p:tags r:id="rId19"/>
             </p:custDataLst>
           </p:nvPr>
         </p:nvPicPr>
         <p:blipFill>
-          <a:blip r:embed="rId9"/>
+          <a:blip r:embed="rId8"/>
           <a:stretch>
             <a:fillRect/>
           </a:stretch>
@@ -11563,7 +11994,7 @@
           <p:cNvSpPr/>
           <p:nvPr>
             <p:custDataLst>
-              <p:tags r:id="rId21"/>
+              <p:tags r:id="rId20"/>
             </p:custDataLst>
           </p:nvPr>
         </p:nvSpPr>
@@ -11613,7 +12044,7 @@
           <p:cNvSpPr/>
           <p:nvPr>
             <p:custDataLst>
-              <p:tags r:id="rId22"/>
+              <p:tags r:id="rId21"/>
             </p:custDataLst>
           </p:nvPr>
         </p:nvSpPr>
@@ -11656,7 +12087,7 @@
           <p:cNvSpPr/>
           <p:nvPr>
             <p:custDataLst>
-              <p:tags r:id="rId23"/>
+              <p:tags r:id="rId22"/>
             </p:custDataLst>
           </p:nvPr>
         </p:nvSpPr>
@@ -11701,12 +12132,12 @@
           </p:cNvPicPr>
           <p:nvPr>
             <p:custDataLst>
-              <p:tags r:id="rId24"/>
+              <p:tags r:id="rId23"/>
             </p:custDataLst>
           </p:nvPr>
         </p:nvPicPr>
         <p:blipFill>
-          <a:blip r:embed="rId7">
+          <a:blip r:embed="rId6">
             <a:alphaModFix amt="10000"/>
           </a:blip>
           <a:stretch>
@@ -11731,12 +12162,12 @@
           </p:cNvPicPr>
           <p:nvPr>
             <p:custDataLst>
-              <p:tags r:id="rId25"/>
+              <p:tags r:id="rId24"/>
             </p:custDataLst>
           </p:nvPr>
         </p:nvPicPr>
         <p:blipFill>
-          <a:blip r:embed="rId7">
+          <a:blip r:embed="rId6">
             <a:alphaModFix amt="10000"/>
           </a:blip>
           <a:stretch>
@@ -11766,15 +12197,25 @@
   <p:cSld>
     <p:bg>
       <p:bgPr>
-        <a:blipFill dpi="0" rotWithShape="1">
-          <a:blip r:embed="rId1">
-            <a:lum/>
-          </a:blip>
-          <a:srcRect/>
-          <a:stretch>
-            <a:fillRect/>
-          </a:stretch>
-        </a:blipFill>
+        <a:gradFill rotWithShape="1">
+          <a:gsLst>
+            <a:gs pos="50000">
+              <a:schemeClr val="accent2"/>
+            </a:gs>
+            <a:gs pos="0">
+              <a:schemeClr val="accent2">
+                <a:lumMod val="25000"/>
+                <a:lumOff val="75000"/>
+              </a:schemeClr>
+            </a:gs>
+            <a:gs pos="100000">
+              <a:schemeClr val="accent2">
+                <a:lumMod val="85000"/>
+              </a:schemeClr>
+            </a:gs>
+          </a:gsLst>
+          <a:lin ang="5400000" scaled="1"/>
+        </a:gradFill>
         <a:effectLst/>
       </p:bgPr>
     </p:bg>
@@ -11801,7 +12242,7 @@
           <p:nvPr/>
         </p:nvPicPr>
         <p:blipFill>
-          <a:blip r:embed="rId2"/>
+          <a:blip r:embed="rId1"/>
           <a:stretch>
             <a:fillRect/>
           </a:stretch>
@@ -11921,15 +12362,25 @@
   <p:cSld>
     <p:bg>
       <p:bgPr>
-        <a:blipFill dpi="0" rotWithShape="1">
-          <a:blip r:embed="rId1">
-            <a:lum/>
-          </a:blip>
-          <a:srcRect/>
-          <a:stretch>
-            <a:fillRect/>
-          </a:stretch>
-        </a:blipFill>
+        <a:gradFill rotWithShape="1">
+          <a:gsLst>
+            <a:gs pos="50000">
+              <a:schemeClr val="accent2"/>
+            </a:gs>
+            <a:gs pos="0">
+              <a:schemeClr val="accent2">
+                <a:lumMod val="25000"/>
+                <a:lumOff val="75000"/>
+              </a:schemeClr>
+            </a:gs>
+            <a:gs pos="100000">
+              <a:schemeClr val="accent2">
+                <a:lumMod val="85000"/>
+              </a:schemeClr>
+            </a:gs>
+          </a:gsLst>
+          <a:lin ang="5400000" scaled="1"/>
+        </a:gradFill>
         <a:effectLst/>
       </p:bgPr>
     </p:bg>
@@ -12002,7 +12453,7 @@
           <p:nvPr/>
         </p:nvPicPr>
         <p:blipFill>
-          <a:blip r:embed="rId2"/>
+          <a:blip r:embed="rId1"/>
           <a:stretch>
             <a:fillRect/>
           </a:stretch>
@@ -12020,6 +12471,30 @@
       <p:pic>
         <p:nvPicPr>
           <p:cNvPr id="4" name="Image 1" descr="preencoded.png"/>
+          <p:cNvPicPr>
+            <a:picLocks noChangeAspect="1"/>
+          </p:cNvPicPr>
+          <p:nvPr/>
+        </p:nvPicPr>
+        <p:blipFill>
+          <a:blip r:embed="rId1"/>
+          <a:stretch>
+            <a:fillRect/>
+          </a:stretch>
+        </p:blipFill>
+        <p:spPr>
+          <a:xfrm>
+            <a:off x="409897" y="222075"/>
+            <a:ext cx="346608" cy="346608"/>
+          </a:xfrm>
+          <a:prstGeom prst="rect">
+            <a:avLst/>
+          </a:prstGeom>
+        </p:spPr>
+      </p:pic>
+      <p:pic>
+        <p:nvPicPr>
+          <p:cNvPr id="5" name="Image 2" descr="preencoded.png"/>
           <p:cNvPicPr>
             <a:picLocks noChangeAspect="1"/>
           </p:cNvPicPr>
@@ -12033,7 +12508,7 @@
         </p:blipFill>
         <p:spPr>
           <a:xfrm>
-            <a:off x="409897" y="222075"/>
+            <a:off x="218305" y="222075"/>
             <a:ext cx="346608" cy="346608"/>
           </a:xfrm>
           <a:prstGeom prst="rect">
@@ -12043,22 +12518,24 @@
       </p:pic>
       <p:pic>
         <p:nvPicPr>
-          <p:cNvPr id="5" name="Image 2" descr="preencoded.png"/>
+          <p:cNvPr id="6" name="Image 3" descr="preencoded.png"/>
           <p:cNvPicPr>
             <a:picLocks noChangeAspect="1"/>
           </p:cNvPicPr>
           <p:nvPr/>
         </p:nvPicPr>
         <p:blipFill>
-          <a:blip r:embed="rId3"/>
+          <a:blip r:embed="rId3">
+            <a:alphaModFix amt="20000"/>
+          </a:blip>
           <a:stretch>
             <a:fillRect/>
           </a:stretch>
         </p:blipFill>
         <p:spPr>
           <a:xfrm>
-            <a:off x="218305" y="222075"/>
-            <a:ext cx="346608" cy="346608"/>
+            <a:off x="603401" y="1099566"/>
+            <a:ext cx="7497539" cy="1148825"/>
           </a:xfrm>
           <a:prstGeom prst="rect">
             <a:avLst/>
@@ -12067,7 +12544,7 @@
       </p:pic>
       <p:pic>
         <p:nvPicPr>
-          <p:cNvPr id="6" name="Image 3" descr="preencoded.png"/>
+          <p:cNvPr id="7" name="Image 4" descr="preencoded.png"/>
           <p:cNvPicPr>
             <a:picLocks noChangeAspect="1"/>
           </p:cNvPicPr>
@@ -12082,9 +12559,9 @@
           </a:stretch>
         </p:blipFill>
         <p:spPr>
-          <a:xfrm>
-            <a:off x="603401" y="1099566"/>
-            <a:ext cx="7497539" cy="1148825"/>
+          <a:xfrm rot="-8100000">
+            <a:off x="8148204" y="3558047"/>
+            <a:ext cx="325055" cy="325055"/>
           </a:xfrm>
           <a:prstGeom prst="rect">
             <a:avLst/>
@@ -12093,7 +12570,7 @@
       </p:pic>
       <p:pic>
         <p:nvPicPr>
-          <p:cNvPr id="7" name="Image 4" descr="preencoded.png"/>
+          <p:cNvPr id="8" name="Image 5" descr="preencoded.png"/>
           <p:cNvPicPr>
             <a:picLocks noChangeAspect="1"/>
           </p:cNvPicPr>
@@ -12108,32 +12585,6 @@
           </a:stretch>
         </p:blipFill>
         <p:spPr>
-          <a:xfrm rot="-8100000">
-            <a:off x="8148204" y="3558047"/>
-            <a:ext cx="325055" cy="325055"/>
-          </a:xfrm>
-          <a:prstGeom prst="rect">
-            <a:avLst/>
-          </a:prstGeom>
-        </p:spPr>
-      </p:pic>
-      <p:pic>
-        <p:nvPicPr>
-          <p:cNvPr id="8" name="Image 5" descr="preencoded.png"/>
-          <p:cNvPicPr>
-            <a:picLocks noChangeAspect="1"/>
-          </p:cNvPicPr>
-          <p:nvPr/>
-        </p:nvPicPr>
-        <p:blipFill>
-          <a:blip r:embed="rId6">
-            <a:alphaModFix amt="20000"/>
-          </a:blip>
-          <a:stretch>
-            <a:fillRect/>
-          </a:stretch>
-        </p:blipFill>
-        <p:spPr>
           <a:xfrm>
             <a:off x="601489" y="2311193"/>
             <a:ext cx="7497539" cy="2557724"/>
@@ -12152,7 +12603,7 @@
           <p:nvPr/>
         </p:nvPicPr>
         <p:blipFill>
-          <a:blip r:embed="rId5">
+          <a:blip r:embed="rId4">
             <a:alphaModFix amt="20000"/>
           </a:blip>
           <a:stretch>
@@ -12178,7 +12629,7 @@
           <p:nvPr/>
         </p:nvPicPr>
         <p:blipFill>
-          <a:blip r:embed="rId5">
+          <a:blip r:embed="rId4">
             <a:alphaModFix amt="20000"/>
           </a:blip>
           <a:stretch>
